--- a/LectureFiles/cshl/2014/GenomeAnalysisPlatforms.pptx
+++ b/LectureFiles/cshl/2014/GenomeAnalysisPlatforms.pptx
@@ -5,10 +5,10 @@
     <p:sldMasterId id="2147483648" r:id="rId1"/>
   </p:sldMasterIdLst>
   <p:notesMasterIdLst>
-    <p:notesMasterId r:id="rId21"/>
+    <p:notesMasterId r:id="rId20"/>
   </p:notesMasterIdLst>
   <p:handoutMasterIdLst>
-    <p:handoutMasterId r:id="rId22"/>
+    <p:handoutMasterId r:id="rId21"/>
   </p:handoutMasterIdLst>
   <p:sldIdLst>
     <p:sldId id="341" r:id="rId2"/>
@@ -22,14 +22,13 @@
     <p:sldId id="520" r:id="rId10"/>
     <p:sldId id="521" r:id="rId11"/>
     <p:sldId id="522" r:id="rId12"/>
-    <p:sldId id="524" r:id="rId13"/>
-    <p:sldId id="525" r:id="rId14"/>
-    <p:sldId id="529" r:id="rId15"/>
-    <p:sldId id="523" r:id="rId16"/>
-    <p:sldId id="526" r:id="rId17"/>
-    <p:sldId id="527" r:id="rId18"/>
-    <p:sldId id="528" r:id="rId19"/>
-    <p:sldId id="512" r:id="rId20"/>
+    <p:sldId id="525" r:id="rId13"/>
+    <p:sldId id="530" r:id="rId14"/>
+    <p:sldId id="523" r:id="rId15"/>
+    <p:sldId id="526" r:id="rId16"/>
+    <p:sldId id="527" r:id="rId17"/>
+    <p:sldId id="528" r:id="rId18"/>
+    <p:sldId id="529" r:id="rId19"/>
   </p:sldIdLst>
   <p:sldSz cx="9144000" cy="6858000" type="screen4x3"/>
   <p:notesSz cx="7315200" cy="9601200"/>
@@ -799,6 +798,755 @@
 </p:notesMaster>
 </file>
 
+<file path=ppt/notesSlides/notesSlide1.xml><?xml version="1.0" encoding="utf-8"?>
+<p:notes xmlns:a="http://schemas.openxmlformats.org/drawingml/2006/main" xmlns:r="http://schemas.openxmlformats.org/officeDocument/2006/relationships" xmlns:p="http://schemas.openxmlformats.org/presentationml/2006/main">
+  <p:cSld>
+    <p:spTree>
+      <p:nvGrpSpPr>
+        <p:cNvPr id="1" name=""/>
+        <p:cNvGrpSpPr/>
+        <p:nvPr/>
+      </p:nvGrpSpPr>
+      <p:grpSpPr>
+        <a:xfrm>
+          <a:off x="0" y="0"/>
+          <a:ext cx="0" cy="0"/>
+          <a:chOff x="0" y="0"/>
+          <a:chExt cx="0" cy="0"/>
+        </a:xfrm>
+      </p:grpSpPr>
+      <p:sp>
+        <p:nvSpPr>
+          <p:cNvPr id="2" name="Slide Image Placeholder 1"/>
+          <p:cNvSpPr>
+            <a:spLocks noGrp="1" noRot="1" noChangeAspect="1"/>
+          </p:cNvSpPr>
+          <p:nvPr>
+            <p:ph type="sldImg"/>
+          </p:nvPr>
+        </p:nvSpPr>
+        <p:spPr/>
+      </p:sp>
+      <p:sp>
+        <p:nvSpPr>
+          <p:cNvPr id="3" name="Notes Placeholder 2"/>
+          <p:cNvSpPr>
+            <a:spLocks noGrp="1"/>
+          </p:cNvSpPr>
+          <p:nvPr>
+            <p:ph type="body" idx="1"/>
+          </p:nvPr>
+        </p:nvSpPr>
+        <p:spPr/>
+        <p:txBody>
+          <a:bodyPr/>
+          <a:lstStyle/>
+          <a:p>
+            <a:r>
+              <a:rPr lang="en-US" dirty="0" smtClean="0"/>
+              <a:t>http://</a:t>
+            </a:r>
+            <a:r>
+              <a:rPr lang="en-US" dirty="0" err="1" smtClean="0"/>
+              <a:t>en.wikipedia.org</a:t>
+            </a:r>
+            <a:r>
+              <a:rPr lang="en-US" dirty="0" smtClean="0"/>
+              <a:t>/wiki/</a:t>
+            </a:r>
+            <a:r>
+              <a:rPr lang="en-US" dirty="0" err="1" smtClean="0"/>
+              <a:t>Job_scheduler</a:t>
+            </a:r>
+            <a:endParaRPr lang="en-US" dirty="0" smtClean="0"/>
+          </a:p>
+          <a:p>
+            <a:endParaRPr lang="en-US" dirty="0"/>
+          </a:p>
+        </p:txBody>
+      </p:sp>
+      <p:sp>
+        <p:nvSpPr>
+          <p:cNvPr id="4" name="Slide Number Placeholder 3"/>
+          <p:cNvSpPr>
+            <a:spLocks noGrp="1"/>
+          </p:cNvSpPr>
+          <p:nvPr>
+            <p:ph type="sldNum" sz="quarter" idx="10"/>
+          </p:nvPr>
+        </p:nvSpPr>
+        <p:spPr/>
+        <p:txBody>
+          <a:bodyPr/>
+          <a:lstStyle/>
+          <a:p>
+            <a:pPr>
+              <a:defRPr/>
+            </a:pPr>
+            <a:fld id="{58FBEE90-0CDA-3447-B595-4F8759630F3A}" type="slidenum">
+              <a:rPr lang="en-US" smtClean="0"/>
+              <a:pPr>
+                <a:defRPr/>
+              </a:pPr>
+              <a:t>5</a:t>
+            </a:fld>
+            <a:endParaRPr lang="en-US"/>
+          </a:p>
+        </p:txBody>
+      </p:sp>
+    </p:spTree>
+    <p:extLst>
+      <p:ext uri="{BB962C8B-B14F-4D97-AF65-F5344CB8AC3E}">
+        <p14:creationId xmlns:p14="http://schemas.microsoft.com/office/powerpoint/2010/main" val="198298902"/>
+      </p:ext>
+    </p:extLst>
+  </p:cSld>
+  <p:clrMapOvr>
+    <a:masterClrMapping/>
+  </p:clrMapOvr>
+</p:notes>
+</file>
+
+<file path=ppt/notesSlides/notesSlide2.xml><?xml version="1.0" encoding="utf-8"?>
+<p:notes xmlns:a="http://schemas.openxmlformats.org/drawingml/2006/main" xmlns:r="http://schemas.openxmlformats.org/officeDocument/2006/relationships" xmlns:p="http://schemas.openxmlformats.org/presentationml/2006/main">
+  <p:cSld>
+    <p:spTree>
+      <p:nvGrpSpPr>
+        <p:cNvPr id="1" name=""/>
+        <p:cNvGrpSpPr/>
+        <p:nvPr/>
+      </p:nvGrpSpPr>
+      <p:grpSpPr>
+        <a:xfrm>
+          <a:off x="0" y="0"/>
+          <a:ext cx="0" cy="0"/>
+          <a:chOff x="0" y="0"/>
+          <a:chExt cx="0" cy="0"/>
+        </a:xfrm>
+      </p:grpSpPr>
+      <p:sp>
+        <p:nvSpPr>
+          <p:cNvPr id="2" name="Slide Image Placeholder 1"/>
+          <p:cNvSpPr>
+            <a:spLocks noGrp="1" noRot="1" noChangeAspect="1"/>
+          </p:cNvSpPr>
+          <p:nvPr>
+            <p:ph type="sldImg"/>
+          </p:nvPr>
+        </p:nvSpPr>
+        <p:spPr/>
+      </p:sp>
+      <p:sp>
+        <p:nvSpPr>
+          <p:cNvPr id="3" name="Notes Placeholder 2"/>
+          <p:cNvSpPr>
+            <a:spLocks noGrp="1"/>
+          </p:cNvSpPr>
+          <p:nvPr>
+            <p:ph type="body" idx="1"/>
+          </p:nvPr>
+        </p:nvSpPr>
+        <p:spPr/>
+        <p:txBody>
+          <a:bodyPr/>
+          <a:lstStyle/>
+          <a:p>
+            <a:r>
+              <a:rPr lang="en-US" dirty="0" smtClean="0"/>
+              <a:t>http://</a:t>
+            </a:r>
+            <a:r>
+              <a:rPr lang="en-US" dirty="0" err="1" smtClean="0"/>
+              <a:t>en.wikipedia.org</a:t>
+            </a:r>
+            <a:r>
+              <a:rPr lang="en-US" dirty="0" smtClean="0"/>
+              <a:t>/wiki/</a:t>
+            </a:r>
+            <a:r>
+              <a:rPr lang="en-US" dirty="0" err="1" smtClean="0"/>
+              <a:t>Cloud_computing</a:t>
+            </a:r>
+            <a:endParaRPr lang="en-US" dirty="0"/>
+          </a:p>
+        </p:txBody>
+      </p:sp>
+      <p:sp>
+        <p:nvSpPr>
+          <p:cNvPr id="4" name="Slide Number Placeholder 3"/>
+          <p:cNvSpPr>
+            <a:spLocks noGrp="1"/>
+          </p:cNvSpPr>
+          <p:nvPr>
+            <p:ph type="sldNum" sz="quarter" idx="10"/>
+          </p:nvPr>
+        </p:nvSpPr>
+        <p:spPr/>
+        <p:txBody>
+          <a:bodyPr/>
+          <a:lstStyle/>
+          <a:p>
+            <a:pPr>
+              <a:defRPr/>
+            </a:pPr>
+            <a:fld id="{58FBEE90-0CDA-3447-B595-4F8759630F3A}" type="slidenum">
+              <a:rPr lang="en-US" smtClean="0"/>
+              <a:pPr>
+                <a:defRPr/>
+              </a:pPr>
+              <a:t>6</a:t>
+            </a:fld>
+            <a:endParaRPr lang="en-US"/>
+          </a:p>
+        </p:txBody>
+      </p:sp>
+    </p:spTree>
+    <p:extLst>
+      <p:ext uri="{BB962C8B-B14F-4D97-AF65-F5344CB8AC3E}">
+        <p14:creationId xmlns:p14="http://schemas.microsoft.com/office/powerpoint/2010/main" val="2115130445"/>
+      </p:ext>
+    </p:extLst>
+  </p:cSld>
+  <p:clrMapOvr>
+    <a:masterClrMapping/>
+  </p:clrMapOvr>
+</p:notes>
+</file>
+
+<file path=ppt/notesSlides/notesSlide3.xml><?xml version="1.0" encoding="utf-8"?>
+<p:notes xmlns:a="http://schemas.openxmlformats.org/drawingml/2006/main" xmlns:r="http://schemas.openxmlformats.org/officeDocument/2006/relationships" xmlns:p="http://schemas.openxmlformats.org/presentationml/2006/main">
+  <p:cSld>
+    <p:spTree>
+      <p:nvGrpSpPr>
+        <p:cNvPr id="1" name=""/>
+        <p:cNvGrpSpPr/>
+        <p:nvPr/>
+      </p:nvGrpSpPr>
+      <p:grpSpPr>
+        <a:xfrm>
+          <a:off x="0" y="0"/>
+          <a:ext cx="0" cy="0"/>
+          <a:chOff x="0" y="0"/>
+          <a:chExt cx="0" cy="0"/>
+        </a:xfrm>
+      </p:grpSpPr>
+      <p:sp>
+        <p:nvSpPr>
+          <p:cNvPr id="2" name="Slide Image Placeholder 1"/>
+          <p:cNvSpPr>
+            <a:spLocks noGrp="1" noRot="1" noChangeAspect="1"/>
+          </p:cNvSpPr>
+          <p:nvPr>
+            <p:ph type="sldImg"/>
+          </p:nvPr>
+        </p:nvSpPr>
+        <p:spPr/>
+      </p:sp>
+      <p:sp>
+        <p:nvSpPr>
+          <p:cNvPr id="3" name="Notes Placeholder 2"/>
+          <p:cNvSpPr>
+            <a:spLocks noGrp="1"/>
+          </p:cNvSpPr>
+          <p:nvPr>
+            <p:ph type="body" idx="1"/>
+          </p:nvPr>
+        </p:nvSpPr>
+        <p:spPr/>
+        <p:txBody>
+          <a:bodyPr/>
+          <a:lstStyle/>
+          <a:p>
+            <a:r>
+              <a:rPr lang="en-US" dirty="0" smtClean="0"/>
+              <a:t>http://</a:t>
+            </a:r>
+            <a:r>
+              <a:rPr lang="en-US" dirty="0" err="1" smtClean="0"/>
+              <a:t>en.wikipedia.org</a:t>
+            </a:r>
+            <a:r>
+              <a:rPr lang="en-US" dirty="0" smtClean="0"/>
+              <a:t>/wiki/</a:t>
+            </a:r>
+            <a:r>
+              <a:rPr lang="en-US" dirty="0" err="1" smtClean="0"/>
+              <a:t>Virtual_machine</a:t>
+            </a:r>
+            <a:r>
+              <a:rPr lang="en-US" dirty="0" smtClean="0"/>
+              <a:t> </a:t>
+            </a:r>
+            <a:endParaRPr lang="en-US" dirty="0"/>
+          </a:p>
+        </p:txBody>
+      </p:sp>
+      <p:sp>
+        <p:nvSpPr>
+          <p:cNvPr id="4" name="Slide Number Placeholder 3"/>
+          <p:cNvSpPr>
+            <a:spLocks noGrp="1"/>
+          </p:cNvSpPr>
+          <p:nvPr>
+            <p:ph type="sldNum" sz="quarter" idx="10"/>
+          </p:nvPr>
+        </p:nvSpPr>
+        <p:spPr/>
+        <p:txBody>
+          <a:bodyPr/>
+          <a:lstStyle/>
+          <a:p>
+            <a:pPr>
+              <a:defRPr/>
+            </a:pPr>
+            <a:fld id="{58FBEE90-0CDA-3447-B595-4F8759630F3A}" type="slidenum">
+              <a:rPr lang="en-US" smtClean="0"/>
+              <a:pPr>
+                <a:defRPr/>
+              </a:pPr>
+              <a:t>7</a:t>
+            </a:fld>
+            <a:endParaRPr lang="en-US"/>
+          </a:p>
+        </p:txBody>
+      </p:sp>
+    </p:spTree>
+    <p:extLst>
+      <p:ext uri="{BB962C8B-B14F-4D97-AF65-F5344CB8AC3E}">
+        <p14:creationId xmlns:p14="http://schemas.microsoft.com/office/powerpoint/2010/main" val="1181900826"/>
+      </p:ext>
+    </p:extLst>
+  </p:cSld>
+  <p:clrMapOvr>
+    <a:masterClrMapping/>
+  </p:clrMapOvr>
+</p:notes>
+</file>
+
+<file path=ppt/notesSlides/notesSlide4.xml><?xml version="1.0" encoding="utf-8"?>
+<p:notes xmlns:a="http://schemas.openxmlformats.org/drawingml/2006/main" xmlns:r="http://schemas.openxmlformats.org/officeDocument/2006/relationships" xmlns:p="http://schemas.openxmlformats.org/presentationml/2006/main">
+  <p:cSld>
+    <p:spTree>
+      <p:nvGrpSpPr>
+        <p:cNvPr id="1" name=""/>
+        <p:cNvGrpSpPr/>
+        <p:nvPr/>
+      </p:nvGrpSpPr>
+      <p:grpSpPr>
+        <a:xfrm>
+          <a:off x="0" y="0"/>
+          <a:ext cx="0" cy="0"/>
+          <a:chOff x="0" y="0"/>
+          <a:chExt cx="0" cy="0"/>
+        </a:xfrm>
+      </p:grpSpPr>
+      <p:sp>
+        <p:nvSpPr>
+          <p:cNvPr id="2" name="Slide Image Placeholder 1"/>
+          <p:cNvSpPr>
+            <a:spLocks noGrp="1" noRot="1" noChangeAspect="1"/>
+          </p:cNvSpPr>
+          <p:nvPr>
+            <p:ph type="sldImg"/>
+          </p:nvPr>
+        </p:nvSpPr>
+        <p:spPr/>
+      </p:sp>
+      <p:sp>
+        <p:nvSpPr>
+          <p:cNvPr id="3" name="Notes Placeholder 2"/>
+          <p:cNvSpPr>
+            <a:spLocks noGrp="1"/>
+          </p:cNvSpPr>
+          <p:nvPr>
+            <p:ph type="body" idx="1"/>
+          </p:nvPr>
+        </p:nvSpPr>
+        <p:spPr/>
+        <p:txBody>
+          <a:bodyPr/>
+          <a:lstStyle/>
+          <a:p>
+            <a:r>
+              <a:rPr lang="en-US" dirty="0" smtClean="0"/>
+              <a:t>http://</a:t>
+            </a:r>
+            <a:r>
+              <a:rPr lang="en-US" dirty="0" err="1" smtClean="0"/>
+              <a:t>en.wikipedia.org</a:t>
+            </a:r>
+            <a:r>
+              <a:rPr lang="en-US" dirty="0" smtClean="0"/>
+              <a:t>/wiki/</a:t>
+            </a:r>
+            <a:r>
+              <a:rPr lang="en-US" dirty="0" err="1" smtClean="0"/>
+              <a:t>Workflow_management_system</a:t>
+            </a:r>
+            <a:endParaRPr lang="en-US" dirty="0"/>
+          </a:p>
+        </p:txBody>
+      </p:sp>
+      <p:sp>
+        <p:nvSpPr>
+          <p:cNvPr id="4" name="Slide Number Placeholder 3"/>
+          <p:cNvSpPr>
+            <a:spLocks noGrp="1"/>
+          </p:cNvSpPr>
+          <p:nvPr>
+            <p:ph type="sldNum" sz="quarter" idx="10"/>
+          </p:nvPr>
+        </p:nvSpPr>
+        <p:spPr/>
+        <p:txBody>
+          <a:bodyPr/>
+          <a:lstStyle/>
+          <a:p>
+            <a:pPr>
+              <a:defRPr/>
+            </a:pPr>
+            <a:fld id="{58FBEE90-0CDA-3447-B595-4F8759630F3A}" type="slidenum">
+              <a:rPr lang="en-US" smtClean="0"/>
+              <a:pPr>
+                <a:defRPr/>
+              </a:pPr>
+              <a:t>8</a:t>
+            </a:fld>
+            <a:endParaRPr lang="en-US"/>
+          </a:p>
+        </p:txBody>
+      </p:sp>
+    </p:spTree>
+    <p:extLst>
+      <p:ext uri="{BB962C8B-B14F-4D97-AF65-F5344CB8AC3E}">
+        <p14:creationId xmlns:p14="http://schemas.microsoft.com/office/powerpoint/2010/main" val="417275182"/>
+      </p:ext>
+    </p:extLst>
+  </p:cSld>
+  <p:clrMapOvr>
+    <a:masterClrMapping/>
+  </p:clrMapOvr>
+</p:notes>
+</file>
+
+<file path=ppt/notesSlides/notesSlide5.xml><?xml version="1.0" encoding="utf-8"?>
+<p:notes xmlns:a="http://schemas.openxmlformats.org/drawingml/2006/main" xmlns:r="http://schemas.openxmlformats.org/officeDocument/2006/relationships" xmlns:p="http://schemas.openxmlformats.org/presentationml/2006/main">
+  <p:cSld>
+    <p:spTree>
+      <p:nvGrpSpPr>
+        <p:cNvPr id="1" name=""/>
+        <p:cNvGrpSpPr/>
+        <p:nvPr/>
+      </p:nvGrpSpPr>
+      <p:grpSpPr>
+        <a:xfrm>
+          <a:off x="0" y="0"/>
+          <a:ext cx="0" cy="0"/>
+          <a:chOff x="0" y="0"/>
+          <a:chExt cx="0" cy="0"/>
+        </a:xfrm>
+      </p:grpSpPr>
+      <p:sp>
+        <p:nvSpPr>
+          <p:cNvPr id="2" name="Slide Image Placeholder 1"/>
+          <p:cNvSpPr>
+            <a:spLocks noGrp="1" noRot="1" noChangeAspect="1"/>
+          </p:cNvSpPr>
+          <p:nvPr>
+            <p:ph type="sldImg"/>
+          </p:nvPr>
+        </p:nvSpPr>
+        <p:spPr/>
+      </p:sp>
+      <p:sp>
+        <p:nvSpPr>
+          <p:cNvPr id="3" name="Notes Placeholder 2"/>
+          <p:cNvSpPr>
+            <a:spLocks noGrp="1"/>
+          </p:cNvSpPr>
+          <p:nvPr>
+            <p:ph type="body" idx="1"/>
+          </p:nvPr>
+        </p:nvSpPr>
+        <p:spPr/>
+        <p:txBody>
+          <a:bodyPr/>
+          <a:lstStyle/>
+          <a:p>
+            <a:r>
+              <a:rPr lang="en-US" dirty="0" smtClean="0"/>
+              <a:t>http://</a:t>
+            </a:r>
+            <a:r>
+              <a:rPr lang="en-US" dirty="0" err="1" smtClean="0"/>
+              <a:t>en.wikipedia.org</a:t>
+            </a:r>
+            <a:r>
+              <a:rPr lang="en-US" dirty="0" smtClean="0"/>
+              <a:t>/wiki/</a:t>
+            </a:r>
+            <a:r>
+              <a:rPr lang="en-US" dirty="0" err="1" smtClean="0"/>
+              <a:t>Software_development_kit</a:t>
+            </a:r>
+            <a:endParaRPr lang="en-US" dirty="0"/>
+          </a:p>
+        </p:txBody>
+      </p:sp>
+      <p:sp>
+        <p:nvSpPr>
+          <p:cNvPr id="4" name="Slide Number Placeholder 3"/>
+          <p:cNvSpPr>
+            <a:spLocks noGrp="1"/>
+          </p:cNvSpPr>
+          <p:nvPr>
+            <p:ph type="sldNum" sz="quarter" idx="10"/>
+          </p:nvPr>
+        </p:nvSpPr>
+        <p:spPr/>
+        <p:txBody>
+          <a:bodyPr/>
+          <a:lstStyle/>
+          <a:p>
+            <a:pPr>
+              <a:defRPr/>
+            </a:pPr>
+            <a:fld id="{58FBEE90-0CDA-3447-B595-4F8759630F3A}" type="slidenum">
+              <a:rPr lang="en-US" smtClean="0"/>
+              <a:pPr>
+                <a:defRPr/>
+              </a:pPr>
+              <a:t>9</a:t>
+            </a:fld>
+            <a:endParaRPr lang="en-US"/>
+          </a:p>
+        </p:txBody>
+      </p:sp>
+    </p:spTree>
+    <p:extLst>
+      <p:ext uri="{BB962C8B-B14F-4D97-AF65-F5344CB8AC3E}">
+        <p14:creationId xmlns:p14="http://schemas.microsoft.com/office/powerpoint/2010/main" val="1287487423"/>
+      </p:ext>
+    </p:extLst>
+  </p:cSld>
+  <p:clrMapOvr>
+    <a:masterClrMapping/>
+  </p:clrMapOvr>
+</p:notes>
+</file>
+
+<file path=ppt/notesSlides/notesSlide6.xml><?xml version="1.0" encoding="utf-8"?>
+<p:notes xmlns:a="http://schemas.openxmlformats.org/drawingml/2006/main" xmlns:r="http://schemas.openxmlformats.org/officeDocument/2006/relationships" xmlns:p="http://schemas.openxmlformats.org/presentationml/2006/main">
+  <p:cSld>
+    <p:spTree>
+      <p:nvGrpSpPr>
+        <p:cNvPr id="1" name=""/>
+        <p:cNvGrpSpPr/>
+        <p:nvPr/>
+      </p:nvGrpSpPr>
+      <p:grpSpPr>
+        <a:xfrm>
+          <a:off x="0" y="0"/>
+          <a:ext cx="0" cy="0"/>
+          <a:chOff x="0" y="0"/>
+          <a:chExt cx="0" cy="0"/>
+        </a:xfrm>
+      </p:grpSpPr>
+      <p:sp>
+        <p:nvSpPr>
+          <p:cNvPr id="2" name="Slide Image Placeholder 1"/>
+          <p:cNvSpPr>
+            <a:spLocks noGrp="1" noRot="1" noChangeAspect="1"/>
+          </p:cNvSpPr>
+          <p:nvPr>
+            <p:ph type="sldImg"/>
+          </p:nvPr>
+        </p:nvSpPr>
+        <p:spPr/>
+      </p:sp>
+      <p:sp>
+        <p:nvSpPr>
+          <p:cNvPr id="3" name="Notes Placeholder 2"/>
+          <p:cNvSpPr>
+            <a:spLocks noGrp="1"/>
+          </p:cNvSpPr>
+          <p:nvPr>
+            <p:ph type="body" idx="1"/>
+          </p:nvPr>
+        </p:nvSpPr>
+        <p:spPr/>
+        <p:txBody>
+          <a:bodyPr/>
+          <a:lstStyle/>
+          <a:p>
+            <a:r>
+              <a:rPr lang="en-US" dirty="0" smtClean="0"/>
+              <a:t>http://</a:t>
+            </a:r>
+            <a:r>
+              <a:rPr lang="en-US" dirty="0" err="1" smtClean="0"/>
+              <a:t>en.wikipedia.org</a:t>
+            </a:r>
+            <a:r>
+              <a:rPr lang="en-US" dirty="0" smtClean="0"/>
+              <a:t>/wiki/</a:t>
+            </a:r>
+            <a:r>
+              <a:rPr lang="en-US" dirty="0" err="1" smtClean="0"/>
+              <a:t>Application_programming_interface</a:t>
+            </a:r>
+            <a:endParaRPr lang="en-US" dirty="0"/>
+          </a:p>
+        </p:txBody>
+      </p:sp>
+      <p:sp>
+        <p:nvSpPr>
+          <p:cNvPr id="4" name="Slide Number Placeholder 3"/>
+          <p:cNvSpPr>
+            <a:spLocks noGrp="1"/>
+          </p:cNvSpPr>
+          <p:nvPr>
+            <p:ph type="sldNum" sz="quarter" idx="10"/>
+          </p:nvPr>
+        </p:nvSpPr>
+        <p:spPr/>
+        <p:txBody>
+          <a:bodyPr/>
+          <a:lstStyle/>
+          <a:p>
+            <a:pPr>
+              <a:defRPr/>
+            </a:pPr>
+            <a:fld id="{58FBEE90-0CDA-3447-B595-4F8759630F3A}" type="slidenum">
+              <a:rPr lang="en-US" smtClean="0"/>
+              <a:pPr>
+                <a:defRPr/>
+              </a:pPr>
+              <a:t>10</a:t>
+            </a:fld>
+            <a:endParaRPr lang="en-US"/>
+          </a:p>
+        </p:txBody>
+      </p:sp>
+    </p:spTree>
+    <p:extLst>
+      <p:ext uri="{BB962C8B-B14F-4D97-AF65-F5344CB8AC3E}">
+        <p14:creationId xmlns:p14="http://schemas.microsoft.com/office/powerpoint/2010/main" val="2445041538"/>
+      </p:ext>
+    </p:extLst>
+  </p:cSld>
+  <p:clrMapOvr>
+    <a:masterClrMapping/>
+  </p:clrMapOvr>
+</p:notes>
+</file>
+
+<file path=ppt/notesSlides/notesSlide7.xml><?xml version="1.0" encoding="utf-8"?>
+<p:notes xmlns:a="http://schemas.openxmlformats.org/drawingml/2006/main" xmlns:r="http://schemas.openxmlformats.org/officeDocument/2006/relationships" xmlns:p="http://schemas.openxmlformats.org/presentationml/2006/main">
+  <p:cSld>
+    <p:spTree>
+      <p:nvGrpSpPr>
+        <p:cNvPr id="1" name=""/>
+        <p:cNvGrpSpPr/>
+        <p:nvPr/>
+      </p:nvGrpSpPr>
+      <p:grpSpPr>
+        <a:xfrm>
+          <a:off x="0" y="0"/>
+          <a:ext cx="0" cy="0"/>
+          <a:chOff x="0" y="0"/>
+          <a:chExt cx="0" cy="0"/>
+        </a:xfrm>
+      </p:grpSpPr>
+      <p:sp>
+        <p:nvSpPr>
+          <p:cNvPr id="2" name="Slide Image Placeholder 1"/>
+          <p:cNvSpPr>
+            <a:spLocks noGrp="1" noRot="1" noChangeAspect="1"/>
+          </p:cNvSpPr>
+          <p:nvPr>
+            <p:ph type="sldImg"/>
+          </p:nvPr>
+        </p:nvSpPr>
+        <p:spPr/>
+      </p:sp>
+      <p:sp>
+        <p:nvSpPr>
+          <p:cNvPr id="3" name="Notes Placeholder 2"/>
+          <p:cNvSpPr>
+            <a:spLocks noGrp="1"/>
+          </p:cNvSpPr>
+          <p:nvPr>
+            <p:ph type="body" idx="1"/>
+          </p:nvPr>
+        </p:nvSpPr>
+        <p:spPr/>
+        <p:txBody>
+          <a:bodyPr/>
+          <a:lstStyle/>
+          <a:p>
+            <a:r>
+              <a:rPr lang="en-US" dirty="0" smtClean="0"/>
+              <a:t>http://</a:t>
+            </a:r>
+            <a:r>
+              <a:rPr lang="en-US" dirty="0" err="1" smtClean="0"/>
+              <a:t>en.wikipedia.org</a:t>
+            </a:r>
+            <a:r>
+              <a:rPr lang="en-US" dirty="0" smtClean="0"/>
+              <a:t>/wiki/</a:t>
+            </a:r>
+            <a:r>
+              <a:rPr lang="en-US" dirty="0" err="1" smtClean="0"/>
+              <a:t>Apache_Hadoop</a:t>
+            </a:r>
+            <a:endParaRPr lang="en-US" dirty="0"/>
+          </a:p>
+        </p:txBody>
+      </p:sp>
+      <p:sp>
+        <p:nvSpPr>
+          <p:cNvPr id="4" name="Slide Number Placeholder 3"/>
+          <p:cNvSpPr>
+            <a:spLocks noGrp="1"/>
+          </p:cNvSpPr>
+          <p:nvPr>
+            <p:ph type="sldNum" sz="quarter" idx="10"/>
+          </p:nvPr>
+        </p:nvSpPr>
+        <p:spPr/>
+        <p:txBody>
+          <a:bodyPr/>
+          <a:lstStyle/>
+          <a:p>
+            <a:pPr>
+              <a:defRPr/>
+            </a:pPr>
+            <a:fld id="{58FBEE90-0CDA-3447-B595-4F8759630F3A}" type="slidenum">
+              <a:rPr lang="en-US" smtClean="0"/>
+              <a:pPr>
+                <a:defRPr/>
+              </a:pPr>
+              <a:t>11</a:t>
+            </a:fld>
+            <a:endParaRPr lang="en-US"/>
+          </a:p>
+        </p:txBody>
+      </p:sp>
+    </p:spTree>
+    <p:extLst>
+      <p:ext uri="{BB962C8B-B14F-4D97-AF65-F5344CB8AC3E}">
+        <p14:creationId xmlns:p14="http://schemas.microsoft.com/office/powerpoint/2010/main" val="3987047511"/>
+      </p:ext>
+    </p:extLst>
+  </p:cSld>
+  <p:clrMapOvr>
+    <a:masterClrMapping/>
+  </p:clrMapOvr>
+</p:notes>
+</file>
+
 <file path=ppt/slideLayouts/slideLayout1.xml><?xml version="1.0" encoding="utf-8"?>
 <p:sldLayout xmlns:a="http://schemas.openxmlformats.org/drawingml/2006/main" xmlns:r="http://schemas.openxmlformats.org/officeDocument/2006/relationships" xmlns:p="http://schemas.openxmlformats.org/presentationml/2006/main" preserve="1" userDrawn="1">
   <p:cSld name="Title">
@@ -1143,15 +1891,32 @@
               <a:defRPr/>
             </a:pPr>
             <a:r>
-              <a:rPr lang="en-US" sz="2000" b="1" smtClean="0">
+              <a:rPr lang="en-US" sz="2000" b="1" dirty="0" smtClean="0">
                 <a:solidFill>
                   <a:schemeClr val="bg1"/>
                 </a:solidFill>
                 <a:latin typeface="Calibri" charset="0"/>
                 <a:cs typeface="Calibri" charset="0"/>
               </a:rPr>
-              <a:t>RNA sequencing and analysis</a:t>
-            </a:r>
+              <a:t>Genome Analysis</a:t>
+            </a:r>
+            <a:r>
+              <a:rPr lang="en-US" sz="2000" b="1" baseline="0" dirty="0" smtClean="0">
+                <a:solidFill>
+                  <a:schemeClr val="bg1"/>
+                </a:solidFill>
+                <a:latin typeface="Calibri" charset="0"/>
+                <a:cs typeface="Calibri" charset="0"/>
+              </a:rPr>
+              <a:t> Platforms</a:t>
+            </a:r>
+            <a:endParaRPr lang="en-US" sz="2000" b="1" dirty="0" smtClean="0">
+              <a:solidFill>
+                <a:schemeClr val="bg1"/>
+              </a:solidFill>
+              <a:latin typeface="Calibri" charset="0"/>
+              <a:cs typeface="Calibri" charset="0"/>
+            </a:endParaRPr>
           </a:p>
         </p:txBody>
       </p:sp>
@@ -1640,15 +2405,32 @@
               <a:defRPr/>
             </a:pPr>
             <a:r>
-              <a:rPr lang="en-US" sz="2000" b="1" smtClean="0">
+              <a:rPr lang="en-US" sz="2000" b="1" dirty="0" smtClean="0">
                 <a:solidFill>
                   <a:schemeClr val="bg1"/>
                 </a:solidFill>
                 <a:latin typeface="Calibri" charset="0"/>
                 <a:cs typeface="Calibri" charset="0"/>
               </a:rPr>
-              <a:t>RNA sequencing and analysis</a:t>
-            </a:r>
+              <a:t>Genome Analysis</a:t>
+            </a:r>
+            <a:r>
+              <a:rPr lang="en-US" sz="2000" b="1" baseline="0" dirty="0" smtClean="0">
+                <a:solidFill>
+                  <a:schemeClr val="bg1"/>
+                </a:solidFill>
+                <a:latin typeface="Calibri" charset="0"/>
+                <a:cs typeface="Calibri" charset="0"/>
+              </a:rPr>
+              <a:t> Platforms</a:t>
+            </a:r>
+            <a:endParaRPr lang="en-US" sz="2000" b="1" dirty="0" smtClean="0">
+              <a:solidFill>
+                <a:schemeClr val="bg1"/>
+              </a:solidFill>
+              <a:latin typeface="Calibri" charset="0"/>
+              <a:cs typeface="Calibri" charset="0"/>
+            </a:endParaRPr>
           </a:p>
         </p:txBody>
       </p:sp>
@@ -2049,15 +2831,32 @@
               <a:defRPr/>
             </a:pPr>
             <a:r>
-              <a:rPr lang="en-US" sz="2000" b="1" smtClean="0">
+              <a:rPr lang="en-US" sz="2000" b="1" dirty="0" smtClean="0">
                 <a:solidFill>
                   <a:schemeClr val="bg1"/>
                 </a:solidFill>
                 <a:latin typeface="Calibri" charset="0"/>
                 <a:cs typeface="Calibri" charset="0"/>
               </a:rPr>
-              <a:t>RNA sequencing and analysis</a:t>
-            </a:r>
+              <a:t>Genome Analysis</a:t>
+            </a:r>
+            <a:r>
+              <a:rPr lang="en-US" sz="2000" b="1" baseline="0" dirty="0" smtClean="0">
+                <a:solidFill>
+                  <a:schemeClr val="bg1"/>
+                </a:solidFill>
+                <a:latin typeface="Calibri" charset="0"/>
+                <a:cs typeface="Calibri" charset="0"/>
+              </a:rPr>
+              <a:t> Platforms</a:t>
+            </a:r>
+            <a:endParaRPr lang="en-US" sz="2000" b="1" dirty="0" smtClean="0">
+              <a:solidFill>
+                <a:schemeClr val="bg1"/>
+              </a:solidFill>
+              <a:latin typeface="Calibri" charset="0"/>
+              <a:cs typeface="Calibri" charset="0"/>
+            </a:endParaRPr>
           </a:p>
         </p:txBody>
       </p:sp>
@@ -2634,15 +3433,32 @@
               <a:defRPr/>
             </a:pPr>
             <a:r>
-              <a:rPr lang="en-US" sz="2000" b="1" smtClean="0">
+              <a:rPr lang="en-US" sz="2000" b="1" dirty="0" smtClean="0">
                 <a:solidFill>
                   <a:schemeClr val="bg1"/>
                 </a:solidFill>
                 <a:latin typeface="Calibri" charset="0"/>
                 <a:cs typeface="Calibri" charset="0"/>
               </a:rPr>
-              <a:t>RNA sequencing and analysis</a:t>
-            </a:r>
+              <a:t>Genome Analysis</a:t>
+            </a:r>
+            <a:r>
+              <a:rPr lang="en-US" sz="2000" b="1" baseline="0" dirty="0" smtClean="0">
+                <a:solidFill>
+                  <a:schemeClr val="bg1"/>
+                </a:solidFill>
+                <a:latin typeface="Calibri" charset="0"/>
+                <a:cs typeface="Calibri" charset="0"/>
+              </a:rPr>
+              <a:t> Platforms</a:t>
+            </a:r>
+            <a:endParaRPr lang="en-US" sz="2000" b="1" dirty="0" smtClean="0">
+              <a:solidFill>
+                <a:schemeClr val="bg1"/>
+              </a:solidFill>
+              <a:latin typeface="Calibri" charset="0"/>
+              <a:cs typeface="Calibri" charset="0"/>
+            </a:endParaRPr>
           </a:p>
         </p:txBody>
       </p:sp>
@@ -3905,20 +4721,16 @@
           <a:lstStyle/>
           <a:p>
             <a:r>
+              <a:rPr lang="en-US" dirty="0" smtClean="0"/>
+              <a:t>An API is a set </a:t>
+            </a:r>
+            <a:r>
               <a:rPr lang="en-US" dirty="0"/>
-              <a:t>e</a:t>
-            </a:r>
-            <a:r>
-              <a:rPr lang="en-US" dirty="0" smtClean="0"/>
-              <a:t>.g</a:t>
-            </a:r>
-            <a:r>
-              <a:rPr lang="en-US" dirty="0"/>
+              <a:t>of routines, protocols, and tools for building software applications. An API expresses a software component in terms of its operations, inputs, outputs, and underlying types. An API defines functionalities that are independent of their respective implementations, which allows definitions and implementations to vary without compromising each other</a:t>
+            </a:r>
+            <a:r>
+              <a:rPr lang="en-US" dirty="0" smtClean="0"/>
               <a:t>.</a:t>
-            </a:r>
-            <a:r>
-              <a:rPr lang="en-US" dirty="0" smtClean="0"/>
-              <a:t> GA4GH</a:t>
             </a:r>
             <a:endParaRPr lang="en-US" dirty="0"/>
           </a:p>
@@ -4010,10 +4822,64 @@
         </p:nvSpPr>
         <p:spPr/>
         <p:txBody>
-          <a:bodyPr/>
+          <a:bodyPr>
+            <a:normAutofit fontScale="92500"/>
+          </a:bodyPr>
           <a:lstStyle/>
           <a:p>
-            <a:endParaRPr lang="en-US"/>
+            <a:r>
+              <a:rPr lang="en-US" dirty="0" err="1" smtClean="0"/>
+              <a:t>Hadoop</a:t>
+            </a:r>
+            <a:r>
+              <a:rPr lang="en-US" dirty="0" smtClean="0"/>
+              <a:t> </a:t>
+            </a:r>
+            <a:r>
+              <a:rPr lang="en-US" dirty="0"/>
+              <a:t>is an open-source software framework for distributed storage and distributed processing of Big Data on clusters of commodity hardware. Its </a:t>
+            </a:r>
+            <a:r>
+              <a:rPr lang="en-US" dirty="0" err="1"/>
+              <a:t>Hadoop</a:t>
+            </a:r>
+            <a:r>
+              <a:rPr lang="en-US" dirty="0"/>
+              <a:t> Distributed File System (HDFS) splits files into large blocks </a:t>
+            </a:r>
+            <a:r>
+              <a:rPr lang="en-US" dirty="0" smtClean="0"/>
+              <a:t>and </a:t>
+            </a:r>
+            <a:r>
+              <a:rPr lang="en-US" dirty="0"/>
+              <a:t>distributes the blocks amongst the nodes in the cluster. For processing the data, the </a:t>
+            </a:r>
+            <a:r>
+              <a:rPr lang="en-US" dirty="0" err="1"/>
+              <a:t>Hadoop</a:t>
+            </a:r>
+            <a:r>
+              <a:rPr lang="en-US" dirty="0"/>
+              <a:t> Map/Reduce </a:t>
+            </a:r>
+            <a:r>
+              <a:rPr lang="en-US" dirty="0" smtClean="0"/>
+              <a:t>moves code (software) </a:t>
+            </a:r>
+            <a:r>
+              <a:rPr lang="en-US" dirty="0"/>
+              <a:t>to the nodes that have the required data, and the nodes then process the data in parallel. This approach takes advantage of data locality</a:t>
+            </a:r>
+            <a:r>
+              <a:rPr lang="en-US" dirty="0" smtClean="0"/>
+              <a:t>, </a:t>
+            </a:r>
+            <a:r>
+              <a:rPr lang="en-US" dirty="0"/>
+              <a:t>in contrast to conventional HPC architecture which usually relies on a parallel file system (compute and data separated, but connected with high-speed networking).</a:t>
+            </a:r>
+            <a:endParaRPr lang="en-US" dirty="0"/>
           </a:p>
         </p:txBody>
       </p:sp>
@@ -4059,7 +4925,7 @@
         </p:nvSpPr>
         <p:spPr>
           <a:xfrm>
-            <a:off x="152400" y="125760"/>
+            <a:off x="152400" y="-27384"/>
             <a:ext cx="8839200" cy="1143000"/>
           </a:xfrm>
         </p:spPr>
@@ -4069,15 +4935,7 @@
           <a:p>
             <a:r>
               <a:rPr lang="en-US" dirty="0" smtClean="0"/>
-              <a:t>What is ‘</a:t>
-            </a:r>
-            <a:r>
-              <a:rPr lang="en-US" dirty="0" err="1" smtClean="0"/>
-              <a:t>Docker</a:t>
-            </a:r>
-            <a:r>
-              <a:rPr lang="en-US" dirty="0" smtClean="0"/>
-              <a:t>’?</a:t>
+              <a:t>Examples</a:t>
             </a:r>
             <a:endParaRPr lang="en-US" dirty="0"/>
           </a:p>
@@ -4093,19 +4951,161 @@
             <p:ph idx="1"/>
           </p:nvPr>
         </p:nvSpPr>
-        <p:spPr/>
+        <p:spPr>
+          <a:xfrm>
+            <a:off x="152400" y="1124744"/>
+            <a:ext cx="8839200" cy="5199856"/>
+          </a:xfrm>
+        </p:spPr>
         <p:txBody>
-          <a:bodyPr/>
+          <a:bodyPr>
+            <a:normAutofit fontScale="92500" lnSpcReduction="20000"/>
+          </a:bodyPr>
           <a:lstStyle/>
           <a:p>
-            <a:endParaRPr lang="en-US"/>
+            <a:r>
+              <a:rPr lang="en-US" b="1" dirty="0" smtClean="0"/>
+              <a:t>Assuming you have some NGS data, how should you analyze it?</a:t>
+            </a:r>
+          </a:p>
+          <a:p>
+            <a:r>
+              <a:rPr lang="en-US" dirty="0" smtClean="0"/>
+              <a:t>Depends where you are on the informatics spectrum.  Do you want to:</a:t>
+            </a:r>
+            <a:endParaRPr lang="en-US" dirty="0" smtClean="0"/>
+          </a:p>
+          <a:p>
+            <a:pPr lvl="1"/>
+            <a:r>
+              <a:rPr lang="en-US" dirty="0" smtClean="0"/>
+              <a:t>Build a completely novel process, a custom pipeline, develop algorithms, write software, etc.</a:t>
+            </a:r>
+          </a:p>
+          <a:p>
+            <a:pPr lvl="2"/>
+            <a:r>
+              <a:rPr lang="en-US" dirty="0" smtClean="0"/>
+              <a:t>Maximum </a:t>
+            </a:r>
+            <a:r>
+              <a:rPr lang="en-US" dirty="0" smtClean="0"/>
+              <a:t>flexibility. </a:t>
+            </a:r>
+            <a:r>
+              <a:rPr lang="en-US" dirty="0"/>
+              <a:t>P</a:t>
+            </a:r>
+            <a:r>
+              <a:rPr lang="en-US" dirty="0" smtClean="0"/>
+              <a:t>erformance </a:t>
+            </a:r>
+            <a:r>
+              <a:rPr lang="en-US" dirty="0" smtClean="0"/>
+              <a:t>and scalability are determined by how well you engineer it.</a:t>
+            </a:r>
+          </a:p>
+          <a:p>
+            <a:pPr lvl="1"/>
+            <a:r>
+              <a:rPr lang="en-US" dirty="0" smtClean="0"/>
+              <a:t>Build on top of someone else genome analysis platform</a:t>
+            </a:r>
+          </a:p>
+          <a:p>
+            <a:pPr lvl="2"/>
+            <a:r>
+              <a:rPr lang="en-US" dirty="0" smtClean="0"/>
+              <a:t>Don’t have to start from scratch but still have a lot of flexibility.</a:t>
+            </a:r>
+          </a:p>
+          <a:p>
+            <a:pPr lvl="2"/>
+            <a:r>
+              <a:rPr lang="en-US" dirty="0"/>
+              <a:t>e</a:t>
+            </a:r>
+            <a:r>
+              <a:rPr lang="en-US" dirty="0" smtClean="0"/>
+              <a:t>.g. GMS, </a:t>
+            </a:r>
+            <a:r>
+              <a:rPr lang="en-US" dirty="0" err="1" smtClean="0"/>
+              <a:t>Arvados</a:t>
+            </a:r>
+            <a:r>
+              <a:rPr lang="en-US" dirty="0" smtClean="0"/>
+              <a:t>, DNA Nexus, </a:t>
+            </a:r>
+            <a:r>
+              <a:rPr lang="en-US" dirty="0" err="1" smtClean="0"/>
+              <a:t>bcbio-nextgene</a:t>
+            </a:r>
+            <a:r>
+              <a:rPr lang="en-US" dirty="0" smtClean="0"/>
+              <a:t>, </a:t>
+            </a:r>
+            <a:r>
+              <a:rPr lang="en-US" dirty="0" err="1" smtClean="0"/>
+              <a:t>Gkno</a:t>
+            </a:r>
+            <a:r>
+              <a:rPr lang="en-US" dirty="0" smtClean="0"/>
+              <a:t>, etc</a:t>
+            </a:r>
+            <a:r>
+              <a:rPr lang="en-US" dirty="0" smtClean="0"/>
+              <a:t>.</a:t>
+            </a:r>
+          </a:p>
+          <a:p>
+            <a:pPr lvl="1"/>
+            <a:r>
+              <a:rPr lang="en-US" dirty="0" smtClean="0"/>
+              <a:t>Upload data in web browser, use graphical user interface</a:t>
+            </a:r>
+          </a:p>
+          <a:p>
+            <a:pPr lvl="2"/>
+            <a:r>
+              <a:rPr lang="en-US" dirty="0" smtClean="0"/>
+              <a:t>Sacrifices flexibility for ease of use</a:t>
+            </a:r>
+          </a:p>
+          <a:p>
+            <a:pPr lvl="2"/>
+            <a:r>
+              <a:rPr lang="en-US" dirty="0" smtClean="0"/>
+              <a:t>Galaxy, </a:t>
+            </a:r>
+            <a:r>
+              <a:rPr lang="en-US" dirty="0" err="1" smtClean="0"/>
+              <a:t>Illumina</a:t>
+            </a:r>
+            <a:r>
+              <a:rPr lang="en-US" dirty="0" smtClean="0"/>
+              <a:t> </a:t>
+            </a:r>
+            <a:r>
+              <a:rPr lang="en-US" dirty="0" err="1" smtClean="0"/>
+              <a:t>BaseSpace</a:t>
+            </a:r>
+            <a:endParaRPr lang="en-US" dirty="0" smtClean="0"/>
+          </a:p>
+          <a:p>
+            <a:pPr lvl="1"/>
+            <a:r>
+              <a:rPr lang="en-US" dirty="0" smtClean="0"/>
+              <a:t>Have someone do the analysis for you and give you the results</a:t>
+            </a:r>
+            <a:endParaRPr lang="en-US" dirty="0"/>
           </a:p>
         </p:txBody>
       </p:sp>
     </p:spTree>
     <p:extLst>
       <p:ext uri="{BB962C8B-B14F-4D97-AF65-F5344CB8AC3E}">
-        <p14:creationId xmlns:p14="http://schemas.microsoft.com/office/powerpoint/2010/main" val="1919530654"/>
+        <p14:creationId xmlns:p14="http://schemas.microsoft.com/office/powerpoint/2010/main" val="4114406293"/>
       </p:ext>
     </p:extLst>
   </p:cSld>
@@ -4154,7 +5154,7 @@
           <a:p>
             <a:r>
               <a:rPr lang="en-US" dirty="0" smtClean="0"/>
-              <a:t>Examples</a:t>
+              <a:t>Companies whose platforms amount to bioinformatics for hire…</a:t>
             </a:r>
             <a:endParaRPr lang="en-US" dirty="0"/>
           </a:p>
@@ -4170,108 +5170,88 @@
             <p:ph idx="1"/>
           </p:nvPr>
         </p:nvSpPr>
-        <p:spPr>
-          <a:xfrm>
-            <a:off x="152400" y="1124744"/>
-            <a:ext cx="8839200" cy="5199856"/>
-          </a:xfrm>
-        </p:spPr>
+        <p:spPr/>
         <p:txBody>
-          <a:bodyPr>
-            <a:normAutofit lnSpcReduction="10000"/>
-          </a:bodyPr>
+          <a:bodyPr/>
           <a:lstStyle/>
           <a:p>
             <a:r>
-              <a:rPr lang="en-US" b="1" dirty="0" smtClean="0"/>
-              <a:t>Assuming you have some NGS data, how should you analyze it?</a:t>
-            </a:r>
-          </a:p>
-          <a:p>
-            <a:r>
-              <a:rPr lang="en-US" dirty="0" smtClean="0"/>
-              <a:t>The informatics spectrum</a:t>
+              <a:rPr lang="en-US" dirty="0" err="1" smtClean="0"/>
+              <a:t>Appistry's</a:t>
+            </a:r>
+            <a:r>
+              <a:rPr lang="en-US" dirty="0" smtClean="0"/>
+              <a:t> </a:t>
+            </a:r>
+            <a:r>
+              <a:rPr lang="en-US" dirty="0" err="1" smtClean="0"/>
+              <a:t>Ayrris</a:t>
+            </a:r>
+            <a:endParaRPr lang="en-US" dirty="0" smtClean="0"/>
+          </a:p>
+          <a:p>
+            <a:r>
+              <a:rPr lang="en-US" dirty="0" smtClean="0"/>
+              <a:t>Seven </a:t>
+            </a:r>
+            <a:r>
+              <a:rPr lang="en-US" dirty="0"/>
+              <a:t>Bridges </a:t>
+            </a:r>
+            <a:r>
+              <a:rPr lang="en-US" dirty="0" smtClean="0"/>
+              <a:t>Genomics</a:t>
+            </a:r>
+          </a:p>
+          <a:p>
+            <a:r>
+              <a:rPr lang="en-US" dirty="0" err="1" smtClean="0"/>
+              <a:t>GenomOncology</a:t>
+            </a:r>
+            <a:endParaRPr lang="en-US" dirty="0"/>
+          </a:p>
+          <a:p>
+            <a:r>
+              <a:rPr lang="en-US" dirty="0" smtClean="0"/>
+              <a:t>IBM's </a:t>
+            </a:r>
+            <a:r>
+              <a:rPr lang="en-US" dirty="0" err="1"/>
+              <a:t>PowerGene</a:t>
+            </a:r>
+            <a:r>
+              <a:rPr lang="en-US" dirty="0"/>
+              <a:t> </a:t>
+            </a:r>
+            <a:r>
+              <a:rPr lang="en-US" dirty="0" smtClean="0"/>
+              <a:t>Orchestrator</a:t>
+            </a:r>
+          </a:p>
+          <a:p>
+            <a:r>
+              <a:rPr lang="en-US" dirty="0"/>
+              <a:t>BINA Genomic Analysis System</a:t>
             </a:r>
           </a:p>
           <a:p>
             <a:pPr lvl="1"/>
             <a:r>
               <a:rPr lang="en-US" dirty="0" smtClean="0"/>
-              <a:t>Build a completely novel process, a custom pipeline, develop algorithms, write software, etc.</a:t>
-            </a:r>
-          </a:p>
-          <a:p>
-            <a:pPr lvl="2"/>
-            <a:r>
-              <a:rPr lang="en-US" dirty="0" smtClean="0"/>
-              <a:t>Maximum flexibility, performance and scalability are determined by how well you engineer it.</a:t>
-            </a:r>
-          </a:p>
-          <a:p>
-            <a:pPr lvl="1"/>
-            <a:r>
-              <a:rPr lang="en-US" dirty="0" smtClean="0"/>
-              <a:t>Build on top of someone else genome analysis platform</a:t>
-            </a:r>
-          </a:p>
-          <a:p>
-            <a:pPr lvl="2"/>
-            <a:r>
-              <a:rPr lang="en-US" dirty="0" smtClean="0"/>
-              <a:t>Don’t have to start from scratch but still have a lot of flexibility.</a:t>
-            </a:r>
-          </a:p>
-          <a:p>
-            <a:pPr lvl="2"/>
+              <a:t>Sort of.  They provide a pre-configured hardware + software solution, help you install it and connect it to your in house data production</a:t>
+            </a:r>
+          </a:p>
+          <a:p>
+            <a:r>
+              <a:rPr lang="en-US" dirty="0" smtClean="0"/>
+              <a:t>Etc</a:t>
+            </a:r>
             <a:r>
               <a:rPr lang="en-US" dirty="0"/>
-              <a:t>e</a:t>
-            </a:r>
-            <a:r>
-              <a:rPr lang="en-US" dirty="0" smtClean="0"/>
-              <a:t>.g. GMS, </a:t>
-            </a:r>
-            <a:r>
-              <a:rPr lang="en-US" dirty="0" err="1" smtClean="0"/>
-              <a:t>Arvados</a:t>
-            </a:r>
-            <a:r>
-              <a:rPr lang="en-US" dirty="0" smtClean="0"/>
-              <a:t>, DNA Nexus, etc.</a:t>
-            </a:r>
-          </a:p>
-          <a:p>
-            <a:pPr lvl="1"/>
-            <a:r>
-              <a:rPr lang="en-US" dirty="0" smtClean="0"/>
-              <a:t>Upload data in web browser, use graphical user interface</a:t>
-            </a:r>
-          </a:p>
-          <a:p>
-            <a:pPr lvl="2"/>
-            <a:r>
-              <a:rPr lang="en-US" dirty="0" smtClean="0"/>
-              <a:t>Sacrifices flexibility for ease of use</a:t>
-            </a:r>
-          </a:p>
-          <a:p>
-            <a:pPr lvl="2"/>
-            <a:r>
-              <a:rPr lang="en-US" dirty="0" smtClean="0"/>
-              <a:t>Galaxy, </a:t>
-            </a:r>
-            <a:r>
-              <a:rPr lang="en-US" dirty="0" err="1" smtClean="0"/>
-              <a:t>Illumina</a:t>
-            </a:r>
-            <a:r>
-              <a:rPr lang="en-US" dirty="0" smtClean="0"/>
-              <a:t> </a:t>
-            </a:r>
-            <a:r>
-              <a:rPr lang="en-US" dirty="0" err="1" smtClean="0"/>
-              <a:t>BaseSpace</a:t>
-            </a:r>
+              <a:t>.</a:t>
+            </a:r>
+          </a:p>
+          <a:p>
             <a:endParaRPr lang="en-US" dirty="0"/>
           </a:p>
         </p:txBody>
@@ -4279,7 +5259,7 @@
     </p:spTree>
     <p:extLst>
       <p:ext uri="{BB962C8B-B14F-4D97-AF65-F5344CB8AC3E}">
-        <p14:creationId xmlns:p14="http://schemas.microsoft.com/office/powerpoint/2010/main" val="4114406293"/>
+        <p14:creationId xmlns:p14="http://schemas.microsoft.com/office/powerpoint/2010/main" val="771570592"/>
       </p:ext>
     </p:extLst>
   </p:cSld>
@@ -4316,14 +5296,19 @@
             <p:ph type="title"/>
           </p:nvPr>
         </p:nvSpPr>
-        <p:spPr/>
+        <p:spPr>
+          <a:xfrm>
+            <a:off x="152400" y="44624"/>
+            <a:ext cx="8839200" cy="1143000"/>
+          </a:xfrm>
+        </p:spPr>
         <p:txBody>
           <a:bodyPr/>
           <a:lstStyle/>
           <a:p>
             <a:r>
               <a:rPr lang="en-US" dirty="0" smtClean="0"/>
-              <a:t>The Global Alliance for Genomics Health (ga4gh)</a:t>
+              <a:t>Galaxy</a:t>
             </a:r>
             <a:endParaRPr lang="en-US" dirty="0"/>
           </a:p>
@@ -4345,124 +5330,64 @@
           <a:lstStyle/>
           <a:p>
             <a:r>
-              <a:rPr lang="en-US" dirty="0"/>
-              <a:t>An international coalition, formed to enable the </a:t>
-            </a:r>
-            <a:r>
-              <a:rPr lang="en-US" u="sng" dirty="0"/>
-              <a:t>sharing</a:t>
-            </a:r>
-            <a:r>
-              <a:rPr lang="en-US" dirty="0"/>
-              <a:t> of genomic and clinical data</a:t>
-            </a:r>
-            <a:r>
-              <a:rPr lang="en-US" dirty="0" smtClean="0"/>
-              <a:t>.</a:t>
-            </a:r>
-          </a:p>
-          <a:p>
-            <a:r>
-              <a:rPr lang="en-US" dirty="0"/>
-              <a:t>Work on data models and APIs for Genomic data</a:t>
-            </a:r>
-            <a:r>
-              <a:rPr lang="en-US" dirty="0" smtClean="0"/>
-              <a:t>.</a:t>
-            </a:r>
-          </a:p>
-          <a:p>
-            <a:r>
-              <a:rPr lang="en-US" dirty="0" smtClean="0"/>
-              <a:t>Not yet entirely clear what is available to be used by end users beyond the ‘beacon’ project:</a:t>
-            </a:r>
-          </a:p>
-          <a:p>
+              <a:rPr lang="en-US" dirty="0">
+                <a:hlinkClick r:id="rId2"/>
+              </a:rPr>
+              <a:t>http://galaxyproject.org</a:t>
+            </a:r>
             <a:r>
               <a:rPr lang="en-US" dirty="0" smtClean="0">
                 <a:hlinkClick r:id="rId2"/>
               </a:rPr>
-              <a:t>http://genomicsandhealth.org/</a:t>
-            </a:r>
-            <a:endParaRPr lang="en-US" dirty="0" smtClean="0"/>
-          </a:p>
-          <a:p>
+              <a:t>/</a:t>
+            </a:r>
+            <a:r>
+              <a:rPr lang="en-US" dirty="0" smtClean="0"/>
+              <a:t> </a:t>
+            </a:r>
+          </a:p>
+          <a:p>
+            <a:r>
+              <a:rPr lang="en-US" dirty="0" smtClean="0"/>
+              <a:t>Open Source academic project.</a:t>
+            </a:r>
+          </a:p>
+          <a:p>
+            <a:r>
+              <a:rPr lang="en-US" dirty="0" smtClean="0"/>
+              <a:t>Example RNA-seq workflow</a:t>
+            </a:r>
+          </a:p>
+          <a:p>
+            <a:pPr lvl="1"/>
             <a:r>
               <a:rPr lang="en-US" dirty="0" smtClean="0">
                 <a:hlinkClick r:id="rId3"/>
               </a:rPr>
-              <a:t>http</a:t>
+              <a:t>https</a:t>
             </a:r>
             <a:r>
               <a:rPr lang="en-US" dirty="0">
                 <a:hlinkClick r:id="rId3"/>
               </a:rPr>
-              <a:t>://ga4gh.org/#</a:t>
+              <a:t>://usegalaxy.org/u/mwolfien/w/rnaseq-wolfien-</a:t>
             </a:r>
             <a:r>
               <a:rPr lang="en-US" dirty="0" smtClean="0">
                 <a:hlinkClick r:id="rId3"/>
               </a:rPr>
-              <a:t>/</a:t>
+              <a:t>pipeline</a:t>
             </a:r>
             <a:endParaRPr lang="en-US" dirty="0" smtClean="0"/>
           </a:p>
           <a:p>
-            <a:r>
-              <a:rPr lang="en-US" dirty="0">
-                <a:hlinkClick r:id="rId4"/>
-              </a:rPr>
-              <a:t>https://github.com/</a:t>
-            </a:r>
-            <a:r>
-              <a:rPr lang="en-US" dirty="0" smtClean="0">
-                <a:hlinkClick r:id="rId4"/>
-              </a:rPr>
-              <a:t>ga4gh</a:t>
-            </a:r>
             <a:endParaRPr lang="en-US" dirty="0" smtClean="0"/>
           </a:p>
           <a:p>
-            <a:pPr marL="342900" lvl="1" indent="-342900">
-              <a:buFont typeface="Arial" charset="0"/>
-              <a:buChar char="•"/>
-            </a:pPr>
-            <a:r>
-              <a:rPr lang="en-US" sz="2800" dirty="0" smtClean="0">
-                <a:hlinkClick r:id="rId5"/>
-              </a:rPr>
-              <a:t>http</a:t>
-            </a:r>
-            <a:r>
-              <a:rPr lang="en-US" sz="2800" dirty="0">
-                <a:hlinkClick r:id="rId5"/>
-              </a:rPr>
-              <a:t>://ga4gh.org/#/</a:t>
-            </a:r>
-            <a:r>
-              <a:rPr lang="en-US" sz="2800" dirty="0" smtClean="0">
-                <a:hlinkClick r:id="rId5"/>
-              </a:rPr>
-              <a:t>beacon</a:t>
-            </a:r>
-            <a:endParaRPr lang="en-US" sz="2800" dirty="0" smtClean="0"/>
-          </a:p>
-          <a:p>
-            <a:pPr marL="342900" lvl="1" indent="-342900">
-              <a:buFont typeface="Arial" charset="0"/>
-              <a:buChar char="•"/>
-            </a:pPr>
-            <a:endParaRPr lang="en-US" dirty="0">
-              <a:hlinkClick r:id="rId2"/>
-            </a:endParaRPr>
-          </a:p>
-          <a:p>
-            <a:endParaRPr lang="en-US" dirty="0" smtClean="0"/>
-          </a:p>
-          <a:p>
-            <a:pPr marL="0" indent="0">
-              <a:buNone/>
-            </a:pPr>
+            <a:r>
+              <a:rPr lang="en-US" dirty="0" smtClean="0"/>
+              <a:t>A web based interface that allows you to run existing workflows or create custom analyses by combining tools in the Galaxy ‘toolshed’</a:t>
+            </a:r>
             <a:endParaRPr lang="en-US" dirty="0"/>
           </a:p>
         </p:txBody>
@@ -4470,7 +5395,7 @@
     </p:spTree>
     <p:extLst>
       <p:ext uri="{BB962C8B-B14F-4D97-AF65-F5344CB8AC3E}">
-        <p14:creationId xmlns:p14="http://schemas.microsoft.com/office/powerpoint/2010/main" val="4028849767"/>
+        <p14:creationId xmlns:p14="http://schemas.microsoft.com/office/powerpoint/2010/main" val="1487688628"/>
       </p:ext>
     </p:extLst>
   </p:cSld>
@@ -4507,137 +5432,6 @@
             <p:ph type="title"/>
           </p:nvPr>
         </p:nvSpPr>
-        <p:spPr/>
-        <p:txBody>
-          <a:bodyPr/>
-          <a:lstStyle/>
-          <a:p>
-            <a:r>
-              <a:rPr lang="en-US" dirty="0" smtClean="0"/>
-              <a:t>Galaxy</a:t>
-            </a:r>
-            <a:endParaRPr lang="en-US" dirty="0"/>
-          </a:p>
-        </p:txBody>
-      </p:sp>
-      <p:sp>
-        <p:nvSpPr>
-          <p:cNvPr id="3" name="Content Placeholder 2"/>
-          <p:cNvSpPr>
-            <a:spLocks noGrp="1"/>
-          </p:cNvSpPr>
-          <p:nvPr>
-            <p:ph idx="1"/>
-          </p:nvPr>
-        </p:nvSpPr>
-        <p:spPr/>
-        <p:txBody>
-          <a:bodyPr/>
-          <a:lstStyle/>
-          <a:p>
-            <a:r>
-              <a:rPr lang="en-US" dirty="0">
-                <a:hlinkClick r:id="rId2"/>
-              </a:rPr>
-              <a:t>http://galaxyproject.org</a:t>
-            </a:r>
-            <a:r>
-              <a:rPr lang="en-US" dirty="0" smtClean="0">
-                <a:hlinkClick r:id="rId2"/>
-              </a:rPr>
-              <a:t>/</a:t>
-            </a:r>
-            <a:r>
-              <a:rPr lang="en-US" dirty="0" smtClean="0"/>
-              <a:t> </a:t>
-            </a:r>
-          </a:p>
-          <a:p>
-            <a:r>
-              <a:rPr lang="en-US" dirty="0" smtClean="0"/>
-              <a:t>Open Source academic project.</a:t>
-            </a:r>
-          </a:p>
-          <a:p>
-            <a:r>
-              <a:rPr lang="en-US" dirty="0" smtClean="0"/>
-              <a:t>Example RNA-seq workflow</a:t>
-            </a:r>
-          </a:p>
-          <a:p>
-            <a:pPr lvl="1"/>
-            <a:r>
-              <a:rPr lang="en-US" dirty="0" smtClean="0">
-                <a:hlinkClick r:id="rId3"/>
-              </a:rPr>
-              <a:t>https</a:t>
-            </a:r>
-            <a:r>
-              <a:rPr lang="en-US" dirty="0">
-                <a:hlinkClick r:id="rId3"/>
-              </a:rPr>
-              <a:t>://usegalaxy.org/u/mwolfien/w/rnaseq-wolfien-</a:t>
-            </a:r>
-            <a:r>
-              <a:rPr lang="en-US" dirty="0" smtClean="0">
-                <a:hlinkClick r:id="rId3"/>
-              </a:rPr>
-              <a:t>pipeline</a:t>
-            </a:r>
-            <a:endParaRPr lang="en-US" dirty="0" smtClean="0"/>
-          </a:p>
-          <a:p>
-            <a:endParaRPr lang="en-US" dirty="0" smtClean="0"/>
-          </a:p>
-          <a:p>
-            <a:r>
-              <a:rPr lang="en-US" dirty="0" smtClean="0"/>
-              <a:t>A web based interface that allows you to run existing workflows or create custom analyses by combining tools in the Galaxy ‘toolshed’</a:t>
-            </a:r>
-            <a:endParaRPr lang="en-US" dirty="0"/>
-          </a:p>
-        </p:txBody>
-      </p:sp>
-    </p:spTree>
-    <p:extLst>
-      <p:ext uri="{BB962C8B-B14F-4D97-AF65-F5344CB8AC3E}">
-        <p14:creationId xmlns:p14="http://schemas.microsoft.com/office/powerpoint/2010/main" val="1487688628"/>
-      </p:ext>
-    </p:extLst>
-  </p:cSld>
-  <p:clrMapOvr>
-    <a:masterClrMapping/>
-  </p:clrMapOvr>
-</p:sld>
-</file>
-
-<file path=ppt/slides/slide16.xml><?xml version="1.0" encoding="utf-8"?>
-<p:sld xmlns:a="http://schemas.openxmlformats.org/drawingml/2006/main" xmlns:r="http://schemas.openxmlformats.org/officeDocument/2006/relationships" xmlns:p="http://schemas.openxmlformats.org/presentationml/2006/main">
-  <p:cSld>
-    <p:spTree>
-      <p:nvGrpSpPr>
-        <p:cNvPr id="1" name=""/>
-        <p:cNvGrpSpPr/>
-        <p:nvPr/>
-      </p:nvGrpSpPr>
-      <p:grpSpPr>
-        <a:xfrm>
-          <a:off x="0" y="0"/>
-          <a:ext cx="0" cy="0"/>
-          <a:chOff x="0" y="0"/>
-          <a:chExt cx="0" cy="0"/>
-        </a:xfrm>
-      </p:grpSpPr>
-      <p:sp>
-        <p:nvSpPr>
-          <p:cNvPr id="2" name="Title 1"/>
-          <p:cNvSpPr>
-            <a:spLocks noGrp="1"/>
-          </p:cNvSpPr>
-          <p:nvPr>
-            <p:ph type="title"/>
-          </p:nvPr>
-        </p:nvSpPr>
         <p:spPr>
           <a:xfrm>
             <a:off x="152400" y="44624"/>
@@ -4689,7 +5483,7 @@
         </p:blipFill>
         <p:spPr>
           <a:xfrm>
-            <a:off x="755576" y="980728"/>
+            <a:off x="755576" y="1163638"/>
             <a:ext cx="7875984" cy="4209578"/>
           </a:xfrm>
         </p:spPr>
@@ -4773,7 +5567,7 @@
 </p:sld>
 </file>
 
-<file path=ppt/slides/slide17.xml><?xml version="1.0" encoding="utf-8"?>
+<file path=ppt/slides/slide16.xml><?xml version="1.0" encoding="utf-8"?>
 <p:sld xmlns:a="http://schemas.openxmlformats.org/drawingml/2006/main" xmlns:r="http://schemas.openxmlformats.org/officeDocument/2006/relationships" xmlns:p="http://schemas.openxmlformats.org/presentationml/2006/main">
   <p:cSld>
     <p:spTree>
@@ -4923,6 +5717,246 @@
 </p:sld>
 </file>
 
+<file path=ppt/slides/slide17.xml><?xml version="1.0" encoding="utf-8"?>
+<p:sld xmlns:a="http://schemas.openxmlformats.org/drawingml/2006/main" xmlns:r="http://schemas.openxmlformats.org/officeDocument/2006/relationships" xmlns:p="http://schemas.openxmlformats.org/presentationml/2006/main">
+  <p:cSld>
+    <p:spTree>
+      <p:nvGrpSpPr>
+        <p:cNvPr id="1" name=""/>
+        <p:cNvGrpSpPr/>
+        <p:nvPr/>
+      </p:nvGrpSpPr>
+      <p:grpSpPr>
+        <a:xfrm>
+          <a:off x="0" y="0"/>
+          <a:ext cx="0" cy="0"/>
+          <a:chOff x="0" y="0"/>
+          <a:chExt cx="0" cy="0"/>
+        </a:xfrm>
+      </p:grpSpPr>
+      <p:sp>
+        <p:nvSpPr>
+          <p:cNvPr id="2" name="Title 1"/>
+          <p:cNvSpPr>
+            <a:spLocks noGrp="1"/>
+          </p:cNvSpPr>
+          <p:nvPr>
+            <p:ph type="title"/>
+          </p:nvPr>
+        </p:nvSpPr>
+        <p:spPr>
+          <a:xfrm>
+            <a:off x="152400" y="116632"/>
+            <a:ext cx="8839200" cy="1143000"/>
+          </a:xfrm>
+        </p:spPr>
+        <p:txBody>
+          <a:bodyPr/>
+          <a:lstStyle/>
+          <a:p>
+            <a:r>
+              <a:rPr lang="en-US" dirty="0" smtClean="0"/>
+              <a:t>Other pipeline development platforms to build on top of</a:t>
+            </a:r>
+            <a:endParaRPr lang="en-US" dirty="0"/>
+          </a:p>
+        </p:txBody>
+      </p:sp>
+      <p:sp>
+        <p:nvSpPr>
+          <p:cNvPr id="3" name="Content Placeholder 2"/>
+          <p:cNvSpPr>
+            <a:spLocks noGrp="1"/>
+          </p:cNvSpPr>
+          <p:nvPr>
+            <p:ph idx="1"/>
+          </p:nvPr>
+        </p:nvSpPr>
+        <p:spPr/>
+        <p:txBody>
+          <a:bodyPr>
+            <a:normAutofit fontScale="92500" lnSpcReduction="20000"/>
+          </a:bodyPr>
+          <a:lstStyle/>
+          <a:p>
+            <a:r>
+              <a:rPr lang="en-US" dirty="0" err="1" smtClean="0"/>
+              <a:t>Gkno</a:t>
+            </a:r>
+            <a:endParaRPr lang="en-US" dirty="0"/>
+          </a:p>
+          <a:p>
+            <a:pPr lvl="1"/>
+            <a:r>
+              <a:rPr lang="en-US" dirty="0" smtClean="0">
+                <a:hlinkClick r:id="rId2"/>
+              </a:rPr>
+              <a:t>http</a:t>
+            </a:r>
+            <a:r>
+              <a:rPr lang="en-US" dirty="0">
+                <a:hlinkClick r:id="rId2"/>
+              </a:rPr>
+              <a:t>://gkno.me</a:t>
+            </a:r>
+            <a:r>
+              <a:rPr lang="en-US" dirty="0" smtClean="0">
+                <a:hlinkClick r:id="rId2"/>
+              </a:rPr>
+              <a:t>/</a:t>
+            </a:r>
+            <a:r>
+              <a:rPr lang="en-US" dirty="0" smtClean="0"/>
+              <a:t> </a:t>
+            </a:r>
+          </a:p>
+          <a:p>
+            <a:r>
+              <a:rPr lang="en-US" dirty="0" smtClean="0"/>
+              <a:t>Genome Modeling System (GMS)</a:t>
+            </a:r>
+          </a:p>
+          <a:p>
+            <a:pPr lvl="1"/>
+            <a:r>
+              <a:rPr lang="en-US" dirty="0">
+                <a:hlinkClick r:id="rId3"/>
+              </a:rPr>
+              <a:t>https://github.com/genome/</a:t>
+            </a:r>
+            <a:r>
+              <a:rPr lang="en-US" dirty="0" smtClean="0">
+                <a:hlinkClick r:id="rId3"/>
+              </a:rPr>
+              <a:t>gms</a:t>
+            </a:r>
+            <a:r>
+              <a:rPr lang="en-US" dirty="0" smtClean="0"/>
+              <a:t> </a:t>
+            </a:r>
+          </a:p>
+          <a:p>
+            <a:r>
+              <a:rPr lang="en-US" dirty="0" err="1" smtClean="0"/>
+              <a:t>Arvados</a:t>
+            </a:r>
+            <a:endParaRPr lang="en-US" dirty="0" smtClean="0"/>
+          </a:p>
+          <a:p>
+            <a:pPr lvl="1"/>
+            <a:r>
+              <a:rPr lang="en-US" dirty="0">
+                <a:hlinkClick r:id="rId4"/>
+              </a:rPr>
+              <a:t>https://arvados.org</a:t>
+            </a:r>
+            <a:r>
+              <a:rPr lang="en-US" dirty="0" smtClean="0">
+                <a:hlinkClick r:id="rId4"/>
+              </a:rPr>
+              <a:t>/</a:t>
+            </a:r>
+            <a:r>
+              <a:rPr lang="en-US" dirty="0" smtClean="0"/>
+              <a:t> </a:t>
+            </a:r>
+          </a:p>
+          <a:p>
+            <a:r>
+              <a:rPr lang="en-US" dirty="0" err="1" smtClean="0"/>
+              <a:t>Bcbio-nextgen</a:t>
+            </a:r>
+            <a:endParaRPr lang="en-US" dirty="0" smtClean="0"/>
+          </a:p>
+          <a:p>
+            <a:pPr lvl="1"/>
+            <a:r>
+              <a:rPr lang="en-US" dirty="0">
+                <a:hlinkClick r:id="rId5"/>
+              </a:rPr>
+              <a:t>https://bcbio-nextgen.readthedocs.org/en/latest</a:t>
+            </a:r>
+            <a:r>
+              <a:rPr lang="en-US" dirty="0" smtClean="0">
+                <a:hlinkClick r:id="rId5"/>
+              </a:rPr>
+              <a:t>/</a:t>
+            </a:r>
+            <a:endParaRPr lang="en-US" dirty="0" smtClean="0"/>
+          </a:p>
+          <a:p>
+            <a:r>
+              <a:rPr lang="en-US" dirty="0" err="1" smtClean="0"/>
+              <a:t>OmicsPipe</a:t>
+            </a:r>
+            <a:endParaRPr lang="en-US" dirty="0" smtClean="0"/>
+          </a:p>
+          <a:p>
+            <a:pPr lvl="1"/>
+            <a:r>
+              <a:rPr lang="en-US" dirty="0">
+                <a:hlinkClick r:id="rId6"/>
+              </a:rPr>
+              <a:t>http://sulab.org/tools/omics-pipe</a:t>
+            </a:r>
+            <a:r>
+              <a:rPr lang="en-US" dirty="0" smtClean="0">
+                <a:hlinkClick r:id="rId6"/>
+              </a:rPr>
+              <a:t>/</a:t>
+            </a:r>
+            <a:r>
+              <a:rPr lang="en-US" dirty="0" smtClean="0"/>
+              <a:t> </a:t>
+            </a:r>
+          </a:p>
+          <a:p>
+            <a:r>
+              <a:rPr lang="en-US" dirty="0" smtClean="0"/>
+              <a:t>NGSANE</a:t>
+            </a:r>
+          </a:p>
+          <a:p>
+            <a:pPr lvl="1"/>
+            <a:r>
+              <a:rPr lang="en-US" dirty="0" smtClean="0">
+                <a:hlinkClick r:id="rId7"/>
+              </a:rPr>
+              <a:t>https</a:t>
+            </a:r>
+            <a:r>
+              <a:rPr lang="en-US" dirty="0">
+                <a:hlinkClick r:id="rId7"/>
+              </a:rPr>
+              <a:t>://github.com/BauerLab/</a:t>
+            </a:r>
+            <a:r>
+              <a:rPr lang="en-US" dirty="0" smtClean="0">
+                <a:hlinkClick r:id="rId7"/>
+              </a:rPr>
+              <a:t>ngsane</a:t>
+            </a:r>
+            <a:r>
+              <a:rPr lang="en-US" dirty="0" smtClean="0"/>
+              <a:t> </a:t>
+            </a:r>
+            <a:endParaRPr lang="en-US" dirty="0"/>
+          </a:p>
+        </p:txBody>
+      </p:sp>
+    </p:spTree>
+    <p:extLst>
+      <p:ext uri="{BB962C8B-B14F-4D97-AF65-F5344CB8AC3E}">
+        <p14:creationId xmlns:p14="http://schemas.microsoft.com/office/powerpoint/2010/main" val="1741559232"/>
+      </p:ext>
+    </p:extLst>
+  </p:cSld>
+  <p:clrMapOvr>
+    <a:masterClrMapping/>
+  </p:clrMapOvr>
+</p:sld>
+</file>
+
 <file path=ppt/slides/slide18.xml><?xml version="1.0" encoding="utf-8"?>
 <p:sld xmlns:a="http://schemas.openxmlformats.org/drawingml/2006/main" xmlns:r="http://schemas.openxmlformats.org/officeDocument/2006/relationships" xmlns:p="http://schemas.openxmlformats.org/presentationml/2006/main">
   <p:cSld>
@@ -4950,19 +5984,14 @@
             <p:ph type="title"/>
           </p:nvPr>
         </p:nvSpPr>
-        <p:spPr>
-          <a:xfrm>
-            <a:off x="152400" y="116632"/>
-            <a:ext cx="8839200" cy="1143000"/>
-          </a:xfrm>
-        </p:spPr>
+        <p:spPr/>
         <p:txBody>
           <a:bodyPr/>
           <a:lstStyle/>
           <a:p>
             <a:r>
               <a:rPr lang="en-US" dirty="0" smtClean="0"/>
-              <a:t>Other pipeline development platforms to build on top of</a:t>
+              <a:t>The Global Alliance for Genomics Health (ga4gh)</a:t>
             </a:r>
             <a:endParaRPr lang="en-US" dirty="0"/>
           </a:p>
@@ -4984,111 +6013,124 @@
           <a:lstStyle/>
           <a:p>
             <a:r>
-              <a:rPr lang="en-US" dirty="0" err="1" smtClean="0"/>
-              <a:t>Gkno</a:t>
-            </a:r>
-            <a:endParaRPr lang="en-US" dirty="0"/>
-          </a:p>
-          <a:p>
-            <a:pPr lvl="1"/>
+              <a:rPr lang="en-US" dirty="0"/>
+              <a:t>An international coalition, formed to enable the </a:t>
+            </a:r>
+            <a:r>
+              <a:rPr lang="en-US" u="sng" dirty="0"/>
+              <a:t>sharing</a:t>
+            </a:r>
+            <a:r>
+              <a:rPr lang="en-US" dirty="0"/>
+              <a:t> of genomic and clinical data</a:t>
+            </a:r>
+            <a:r>
+              <a:rPr lang="en-US" dirty="0" smtClean="0"/>
+              <a:t>.</a:t>
+            </a:r>
+          </a:p>
+          <a:p>
+            <a:r>
+              <a:rPr lang="en-US" dirty="0"/>
+              <a:t>Work on data models and APIs for Genomic data</a:t>
+            </a:r>
+            <a:r>
+              <a:rPr lang="en-US" dirty="0" smtClean="0"/>
+              <a:t>.</a:t>
+            </a:r>
+          </a:p>
+          <a:p>
+            <a:r>
+              <a:rPr lang="en-US" dirty="0" smtClean="0"/>
+              <a:t>Not yet entirely clear what is available to be used by end users beyond the ‘beacon’ project:</a:t>
+            </a:r>
+          </a:p>
+          <a:p>
             <a:r>
               <a:rPr lang="en-US" dirty="0" smtClean="0">
                 <a:hlinkClick r:id="rId2"/>
               </a:rPr>
+              <a:t>http://genomicsandhealth.org/</a:t>
+            </a:r>
+            <a:endParaRPr lang="en-US" dirty="0" smtClean="0"/>
+          </a:p>
+          <a:p>
+            <a:r>
+              <a:rPr lang="en-US" dirty="0" smtClean="0">
+                <a:hlinkClick r:id="rId3"/>
+              </a:rPr>
               <a:t>http</a:t>
             </a:r>
-            <a:r>
-              <a:rPr lang="en-US" dirty="0">
-                <a:hlinkClick r:id="rId2"/>
-              </a:rPr>
-              <a:t>://gkno.me</a:t>
-            </a:r>
-            <a:r>
-              <a:rPr lang="en-US" dirty="0" smtClean="0">
-                <a:hlinkClick r:id="rId2"/>
-              </a:rPr>
-              <a:t>/</a:t>
-            </a:r>
-            <a:r>
-              <a:rPr lang="en-US" dirty="0" smtClean="0"/>
-              <a:t> </a:t>
-            </a:r>
-          </a:p>
-          <a:p>
-            <a:r>
-              <a:rPr lang="en-US" dirty="0" smtClean="0"/>
-              <a:t>Genome Modeling System (GMS)</a:t>
-            </a:r>
-          </a:p>
-          <a:p>
-            <a:pPr lvl="1"/>
             <a:r>
               <a:rPr lang="en-US" dirty="0">
                 <a:hlinkClick r:id="rId3"/>
               </a:rPr>
-              <a:t>https://github.com/genome/</a:t>
+              <a:t>://ga4gh.org/#</a:t>
             </a:r>
             <a:r>
               <a:rPr lang="en-US" dirty="0" smtClean="0">
                 <a:hlinkClick r:id="rId3"/>
               </a:rPr>
-              <a:t>gms</a:t>
-            </a:r>
-            <a:r>
-              <a:rPr lang="en-US" dirty="0" smtClean="0"/>
-              <a:t> </a:t>
-            </a:r>
-          </a:p>
-          <a:p>
-            <a:r>
-              <a:rPr lang="en-US" dirty="0" err="1" smtClean="0"/>
-              <a:t>Arvados</a:t>
+              <a:t>/</a:t>
             </a:r>
             <a:endParaRPr lang="en-US" dirty="0" smtClean="0"/>
           </a:p>
           <a:p>
-            <a:pPr lvl="1"/>
             <a:r>
               <a:rPr lang="en-US" dirty="0">
                 <a:hlinkClick r:id="rId4"/>
               </a:rPr>
-              <a:t>https://arvados.org</a:t>
+              <a:t>https://github.com/</a:t>
             </a:r>
             <a:r>
               <a:rPr lang="en-US" dirty="0" smtClean="0">
                 <a:hlinkClick r:id="rId4"/>
               </a:rPr>
-              <a:t>/</a:t>
-            </a:r>
-            <a:r>
-              <a:rPr lang="en-US" dirty="0" smtClean="0"/>
-              <a:t> </a:t>
-            </a:r>
-          </a:p>
-          <a:p>
-            <a:r>
-              <a:rPr lang="en-US" dirty="0" err="1" smtClean="0"/>
-              <a:t>Bcbio-nextgen</a:t>
+              <a:t>ga4gh</a:t>
             </a:r>
             <a:endParaRPr lang="en-US" dirty="0" smtClean="0"/>
           </a:p>
           <a:p>
-            <a:pPr lvl="1"/>
-            <a:r>
-              <a:rPr lang="en-US" dirty="0">
+            <a:pPr marL="342900" lvl="1" indent="-342900">
+              <a:buFont typeface="Arial" charset="0"/>
+              <a:buChar char="•"/>
+            </a:pPr>
+            <a:r>
+              <a:rPr lang="en-US" sz="2800" dirty="0" smtClean="0">
                 <a:hlinkClick r:id="rId5"/>
               </a:rPr>
-              <a:t>https://bcbio-nextgen.readthedocs.org/en/latest</a:t>
-            </a:r>
-            <a:r>
-              <a:rPr lang="en-US" dirty="0" smtClean="0">
+              <a:t>http</a:t>
+            </a:r>
+            <a:r>
+              <a:rPr lang="en-US" sz="2800" dirty="0">
                 <a:hlinkClick r:id="rId5"/>
               </a:rPr>
-              <a:t>/</a:t>
-            </a:r>
+              <a:t>://ga4gh.org/#/</a:t>
+            </a:r>
+            <a:r>
+              <a:rPr lang="en-US" sz="2800" dirty="0" smtClean="0">
+                <a:hlinkClick r:id="rId5"/>
+              </a:rPr>
+              <a:t>beacon</a:t>
+            </a:r>
+            <a:endParaRPr lang="en-US" sz="2800" dirty="0" smtClean="0"/>
+          </a:p>
+          <a:p>
+            <a:pPr marL="342900" lvl="1" indent="-342900">
+              <a:buFont typeface="Arial" charset="0"/>
+              <a:buChar char="•"/>
+            </a:pPr>
+            <a:endParaRPr lang="en-US" dirty="0">
+              <a:hlinkClick r:id="rId2"/>
+            </a:endParaRPr>
+          </a:p>
+          <a:p>
             <a:endParaRPr lang="en-US" dirty="0" smtClean="0"/>
           </a:p>
           <a:p>
+            <a:pPr marL="0" indent="0">
+              <a:buNone/>
+            </a:pPr>
             <a:endParaRPr lang="en-US" dirty="0"/>
           </a:p>
         </p:txBody>
@@ -5096,68 +6138,9 @@
     </p:spTree>
     <p:extLst>
       <p:ext uri="{BB962C8B-B14F-4D97-AF65-F5344CB8AC3E}">
-        <p14:creationId xmlns:p14="http://schemas.microsoft.com/office/powerpoint/2010/main" val="1741559232"/>
+        <p14:creationId xmlns:p14="http://schemas.microsoft.com/office/powerpoint/2010/main" val="4028849767"/>
       </p:ext>
     </p:extLst>
-  </p:cSld>
-  <p:clrMapOvr>
-    <a:masterClrMapping/>
-  </p:clrMapOvr>
-</p:sld>
-</file>
-
-<file path=ppt/slides/slide19.xml><?xml version="1.0" encoding="utf-8"?>
-<p:sld xmlns:a="http://schemas.openxmlformats.org/drawingml/2006/main" xmlns:r="http://schemas.openxmlformats.org/officeDocument/2006/relationships" xmlns:p="http://schemas.openxmlformats.org/presentationml/2006/main">
-  <p:cSld>
-    <p:spTree>
-      <p:nvGrpSpPr>
-        <p:cNvPr id="1" name=""/>
-        <p:cNvGrpSpPr/>
-        <p:nvPr/>
-      </p:nvGrpSpPr>
-      <p:grpSpPr>
-        <a:xfrm>
-          <a:off x="0" y="0"/>
-          <a:ext cx="0" cy="0"/>
-          <a:chOff x="0" y="0"/>
-          <a:chExt cx="0" cy="0"/>
-        </a:xfrm>
-      </p:grpSpPr>
-      <p:sp>
-        <p:nvSpPr>
-          <p:cNvPr id="11265" name="Content Placeholder 3"/>
-          <p:cNvSpPr>
-            <a:spLocks noGrp="1"/>
-          </p:cNvSpPr>
-          <p:nvPr>
-            <p:ph idx="1"/>
-          </p:nvPr>
-        </p:nvSpPr>
-        <p:spPr>
-          <a:xfrm>
-            <a:off x="152400" y="2667000"/>
-            <a:ext cx="8839200" cy="1600200"/>
-          </a:xfrm>
-        </p:spPr>
-        <p:txBody>
-          <a:bodyPr/>
-          <a:lstStyle/>
-          <a:p>
-            <a:pPr algn="ctr">
-              <a:buFont typeface="Arial" charset="0"/>
-              <a:buNone/>
-            </a:pPr>
-            <a:r>
-              <a:rPr lang="en-US" sz="4400">
-                <a:latin typeface="Calibri" charset="0"/>
-                <a:ea typeface="ＭＳ Ｐゴシック" charset="0"/>
-              </a:rPr>
-              <a:t>Break</a:t>
-            </a:r>
-          </a:p>
-        </p:txBody>
-      </p:sp>
-    </p:spTree>
   </p:cSld>
   <p:clrMapOvr>
     <a:masterClrMapping/>
@@ -5701,7 +6684,7 @@
         </p:nvSpPr>
         <p:spPr>
           <a:xfrm>
-            <a:off x="152400" y="1124744"/>
+            <a:off x="152400" y="1253480"/>
             <a:ext cx="8839200" cy="5199856"/>
           </a:xfrm>
         </p:spPr>
@@ -5720,15 +6703,34 @@
             <a:pPr lvl="1"/>
             <a:r>
               <a:rPr lang="en-US" dirty="0" smtClean="0"/>
-              <a:t>Many confusion buzzwords!</a:t>
+              <a:t>Lost of jargon and buzzwords</a:t>
             </a:r>
             <a:endParaRPr lang="en-US" dirty="0"/>
           </a:p>
           <a:p>
             <a:r>
-              <a:rPr lang="en-US" dirty="0" smtClean="0"/>
-              <a:t>Pipeline</a:t>
-            </a:r>
+              <a:rPr lang="en-US" dirty="0"/>
+              <a:t>Hardware</a:t>
+            </a:r>
+          </a:p>
+          <a:p>
+            <a:pPr lvl="1"/>
+            <a:r>
+              <a:rPr lang="en-US" dirty="0"/>
+              <a:t>e.g. ‘Dell Genomic Data Analysis Platform</a:t>
+            </a:r>
+            <a:r>
+              <a:rPr lang="en-US" dirty="0" smtClean="0"/>
+              <a:t>’</a:t>
+            </a:r>
+            <a:endParaRPr lang="en-US" dirty="0" smtClean="0"/>
+          </a:p>
+          <a:p>
+            <a:r>
+              <a:rPr lang="en-US" dirty="0" smtClean="0"/>
+              <a:t>Pipelines</a:t>
+            </a:r>
+            <a:endParaRPr lang="en-US" dirty="0" smtClean="0"/>
           </a:p>
           <a:p>
             <a:r>
@@ -5742,7 +6744,6 @@
               <a:rPr lang="en-US" dirty="0" smtClean="0"/>
               <a:t>‘Private clouds’</a:t>
             </a:r>
-            <a:endParaRPr lang="en-US" dirty="0" smtClean="0"/>
           </a:p>
           <a:p>
             <a:pPr lvl="1"/>
@@ -5750,33 +6751,15 @@
               <a:rPr lang="en-US" dirty="0" smtClean="0"/>
               <a:t>‘Public clouds’ - Amazon AWS, Google Cloud, digital ocean, etc.</a:t>
             </a:r>
-            <a:endParaRPr lang="en-US" dirty="0" smtClean="0"/>
-          </a:p>
-          <a:p>
-            <a:r>
-              <a:rPr lang="en-US" dirty="0" smtClean="0"/>
-              <a:t>Hardware</a:t>
-            </a:r>
-          </a:p>
-          <a:p>
-            <a:pPr lvl="1"/>
-            <a:r>
-              <a:rPr lang="en-US" dirty="0" smtClean="0"/>
-              <a:t>e.g</a:t>
-            </a:r>
-            <a:r>
-              <a:rPr lang="en-US" dirty="0"/>
-              <a:t>. ‘Dell Genomic Data Analysis Platform</a:t>
-            </a:r>
-            <a:r>
-              <a:rPr lang="en-US" dirty="0" smtClean="0"/>
-              <a:t>’</a:t>
-            </a:r>
-          </a:p>
-          <a:p>
-            <a:r>
-              <a:rPr lang="en-US" dirty="0" smtClean="0"/>
-              <a:t>Virtualization and virtual machines</a:t>
+          </a:p>
+          <a:p>
+            <a:r>
+              <a:rPr lang="en-US" dirty="0" smtClean="0"/>
+              <a:t>Virtualization </a:t>
+            </a:r>
+            <a:r>
+              <a:rPr lang="en-US" dirty="0" smtClean="0"/>
+              <a:t>and virtual machines</a:t>
             </a:r>
           </a:p>
           <a:p>
@@ -5838,7 +6821,11 @@
           <a:p>
             <a:r>
               <a:rPr lang="en-US" dirty="0" smtClean="0"/>
-              <a:t>Job scheduler.  </a:t>
+              <a:t>Job </a:t>
+            </a:r>
+            <a:r>
+              <a:rPr lang="en-US" dirty="0" smtClean="0"/>
+              <a:t>schedulers.  </a:t>
             </a:r>
             <a:r>
               <a:rPr lang="en-US" dirty="0"/>
@@ -5923,7 +6910,12 @@
             <p:ph type="title"/>
           </p:nvPr>
         </p:nvSpPr>
-        <p:spPr/>
+        <p:spPr>
+          <a:xfrm>
+            <a:off x="152400" y="44624"/>
+            <a:ext cx="8839200" cy="1143000"/>
+          </a:xfrm>
+        </p:spPr>
         <p:txBody>
           <a:bodyPr/>
           <a:lstStyle/>
@@ -6191,6 +7183,36 @@
           <a:bodyPr/>
           <a:lstStyle/>
           <a:p>
+            <a:r>
+              <a:rPr lang="en-US" dirty="0"/>
+              <a:t>A </a:t>
+            </a:r>
+            <a:r>
+              <a:rPr lang="en-US" b="1" dirty="0"/>
+              <a:t>job scheduler</a:t>
+            </a:r>
+            <a:r>
+              <a:rPr lang="en-US" dirty="0"/>
+              <a:t> is a computer application for controlling unattended background program execution (commonly called batch processing</a:t>
+            </a:r>
+            <a:r>
+              <a:rPr lang="en-US" dirty="0" smtClean="0"/>
+              <a:t>).</a:t>
+            </a:r>
+          </a:p>
+          <a:p>
+            <a:r>
+              <a:rPr lang="en-US" dirty="0" smtClean="0"/>
+              <a:t>For example, in genomics data processing, a researcher might use a job scheduler to submit 100 </a:t>
+            </a:r>
+            <a:r>
+              <a:rPr lang="en-US" dirty="0" err="1" smtClean="0"/>
+              <a:t>tophat</a:t>
+            </a:r>
+            <a:r>
+              <a:rPr lang="en-US" dirty="0" smtClean="0"/>
+              <a:t> alignment jobs to a cluster of computers at their institute’s data center</a:t>
+            </a:r>
             <a:endParaRPr lang="en-US" dirty="0"/>
           </a:p>
         </p:txBody>
@@ -6263,15 +7285,102 @@
             <p:ph idx="1"/>
           </p:nvPr>
         </p:nvSpPr>
-        <p:spPr/>
+        <p:spPr>
+          <a:xfrm>
+            <a:off x="152400" y="1340768"/>
+            <a:ext cx="4343400" cy="4724400"/>
+          </a:xfrm>
+        </p:spPr>
         <p:txBody>
-          <a:bodyPr/>
+          <a:bodyPr>
+            <a:normAutofit fontScale="77500" lnSpcReduction="20000"/>
+          </a:bodyPr>
           <a:lstStyle/>
           <a:p>
-            <a:endParaRPr lang="en-US"/>
+            <a:r>
+              <a:rPr lang="en-US" dirty="0" smtClean="0"/>
+              <a:t>The </a:t>
+            </a:r>
+            <a:r>
+              <a:rPr lang="en-US" dirty="0"/>
+              <a:t>practice of using a network of remote servers hosted on the Internet to store, manage, and process data, rather than a local server or a personal computer</a:t>
+            </a:r>
+            <a:r>
+              <a:rPr lang="en-US" dirty="0" smtClean="0"/>
+              <a:t>.</a:t>
+            </a:r>
+          </a:p>
+          <a:p>
+            <a:r>
+              <a:rPr lang="en-US" dirty="0" smtClean="0"/>
+              <a:t>For example, instead of using a local server or buying 25 computers with 8 CPU’s each, 70Gg of RAM, etc. for the RNA-seq course we rented these computers on the Amazon ‘Cloud’.  </a:t>
+            </a:r>
+            <a:r>
+              <a:rPr lang="en-US" dirty="0" smtClean="0"/>
+              <a:t>All analysis for the course actually happened at a massive data center in Northern Virginia</a:t>
+            </a:r>
+            <a:endParaRPr lang="en-US" dirty="0"/>
           </a:p>
         </p:txBody>
       </p:sp>
+      <p:pic>
+        <p:nvPicPr>
+          <p:cNvPr id="5" name="Content Placeholder 4" descr="iStock_000018332245Medium1.png"/>
+          <p:cNvPicPr>
+            <a:picLocks noGrp="1" noChangeAspect="1"/>
+          </p:cNvPicPr>
+          <p:nvPr>
+            <p:ph idx="10"/>
+          </p:nvPr>
+        </p:nvPicPr>
+        <p:blipFill rotWithShape="1">
+          <a:blip r:embed="rId3">
+            <a:extLst>
+              <a:ext uri="{28A0092B-C50C-407E-A947-70E740481C1C}">
+                <a14:useLocalDpi xmlns:a14="http://schemas.microsoft.com/office/drawing/2010/main" val="0"/>
+              </a:ext>
+            </a:extLst>
+          </a:blip>
+          <a:srcRect t="-306" b="946"/>
+          <a:stretch/>
+        </p:blipFill>
+        <p:spPr>
+          <a:xfrm>
+            <a:off x="4648200" y="1340768"/>
+            <a:ext cx="4343400" cy="2390806"/>
+          </a:xfrm>
+        </p:spPr>
+      </p:pic>
+      <p:pic>
+        <p:nvPicPr>
+          <p:cNvPr id="7" name="Picture 6" descr="Apple-Data-Center-300x197.jpg"/>
+          <p:cNvPicPr>
+            <a:picLocks noChangeAspect="1"/>
+          </p:cNvPicPr>
+          <p:nvPr/>
+        </p:nvPicPr>
+        <p:blipFill>
+          <a:blip r:embed="rId4">
+            <a:extLst>
+              <a:ext uri="{28A0092B-C50C-407E-A947-70E740481C1C}">
+                <a14:useLocalDpi xmlns:a14="http://schemas.microsoft.com/office/drawing/2010/main" val="0"/>
+              </a:ext>
+            </a:extLst>
+          </a:blip>
+          <a:stretch>
+            <a:fillRect/>
+          </a:stretch>
+        </p:blipFill>
+        <p:spPr>
+          <a:xfrm>
+            <a:off x="5004048" y="3789040"/>
+            <a:ext cx="3810000" cy="2501900"/>
+          </a:xfrm>
+          <a:prstGeom prst="rect">
+            <a:avLst/>
+          </a:prstGeom>
+        </p:spPr>
+      </p:pic>
     </p:spTree>
     <p:extLst>
       <p:ext uri="{BB962C8B-B14F-4D97-AF65-F5344CB8AC3E}">
@@ -6345,7 +7454,44 @@
           <a:bodyPr/>
           <a:lstStyle/>
           <a:p>
-            <a:endParaRPr lang="en-US"/>
+            <a:r>
+              <a:rPr lang="en-US" dirty="0"/>
+              <a:t>A </a:t>
+            </a:r>
+            <a:r>
+              <a:rPr lang="en-US" i="1" dirty="0"/>
+              <a:t>virtual machine</a:t>
+            </a:r>
+            <a:r>
+              <a:rPr lang="en-US" dirty="0"/>
+              <a:t> (</a:t>
+            </a:r>
+            <a:r>
+              <a:rPr lang="en-US" i="1" dirty="0"/>
+              <a:t>VM</a:t>
+            </a:r>
+            <a:r>
+              <a:rPr lang="en-US" dirty="0"/>
+              <a:t>) is an operating system OS or application environment that is installed on software which imitates dedicated hardware. The end user has the same experience on a </a:t>
+            </a:r>
+            <a:r>
+              <a:rPr lang="en-US" i="1" dirty="0"/>
+              <a:t>virtual machine</a:t>
+            </a:r>
+            <a:r>
+              <a:rPr lang="en-US" dirty="0"/>
+              <a:t> as they would have on dedicated hardware</a:t>
+            </a:r>
+            <a:r>
+              <a:rPr lang="en-US" dirty="0" smtClean="0"/>
+              <a:t>.</a:t>
+            </a:r>
+          </a:p>
+          <a:p>
+            <a:r>
+              <a:rPr lang="en-US" dirty="0" smtClean="0"/>
+              <a:t>In the context of genome analysis pipelines a virtual machine may sometimes be used to allow researchers to share and distribute very complex computing environments (may dependencies) that are difficult to set up.</a:t>
+            </a:r>
           </a:p>
         </p:txBody>
       </p:sp>
@@ -6391,7 +7537,7 @@
         </p:nvSpPr>
         <p:spPr>
           <a:xfrm>
-            <a:off x="152400" y="116632"/>
+            <a:off x="152400" y="-99392"/>
             <a:ext cx="8839200" cy="1143000"/>
           </a:xfrm>
         </p:spPr>
@@ -6400,10 +7546,10 @@
           <a:lstStyle/>
           <a:p>
             <a:r>
-              <a:rPr lang="en-US" dirty="0" smtClean="0"/>
+              <a:rPr lang="en-US" sz="3600" dirty="0" smtClean="0"/>
               <a:t>What is a workflow management system?</a:t>
             </a:r>
-            <a:endParaRPr lang="en-US" dirty="0"/>
+            <a:endParaRPr lang="en-US" sz="3600" dirty="0"/>
           </a:p>
         </p:txBody>
       </p:sp>
@@ -6417,15 +7563,120 @@
             <p:ph idx="1"/>
           </p:nvPr>
         </p:nvSpPr>
-        <p:spPr/>
+        <p:spPr>
+          <a:xfrm>
+            <a:off x="152400" y="1196752"/>
+            <a:ext cx="8839200" cy="2592288"/>
+          </a:xfrm>
+        </p:spPr>
         <p:txBody>
-          <a:bodyPr/>
+          <a:bodyPr>
+            <a:normAutofit fontScale="77500" lnSpcReduction="20000"/>
+          </a:bodyPr>
           <a:lstStyle/>
           <a:p>
-            <a:endParaRPr lang="en-US"/>
+            <a:r>
+              <a:rPr lang="en-US" dirty="0"/>
+              <a:t>A </a:t>
+            </a:r>
+            <a:r>
+              <a:rPr lang="en-US" b="1" dirty="0"/>
+              <a:t>workflow management system</a:t>
+            </a:r>
+            <a:r>
+              <a:rPr lang="en-US" dirty="0"/>
+              <a:t> (</a:t>
+            </a:r>
+            <a:r>
+              <a:rPr lang="en-US" dirty="0" err="1"/>
+              <a:t>WfMS</a:t>
+            </a:r>
+            <a:r>
+              <a:rPr lang="en-US" dirty="0"/>
+              <a:t>) is a software </a:t>
+            </a:r>
+            <a:r>
+              <a:rPr lang="en-US" b="1" dirty="0"/>
+              <a:t>system</a:t>
+            </a:r>
+            <a:r>
+              <a:rPr lang="en-US" dirty="0"/>
+              <a:t> for the </a:t>
+            </a:r>
+            <a:r>
+              <a:rPr lang="en-US" dirty="0" smtClean="0"/>
+              <a:t>execution </a:t>
+            </a:r>
+            <a:r>
+              <a:rPr lang="en-US" dirty="0"/>
+              <a:t>of a defined sequence of tasks, arranged as a </a:t>
+            </a:r>
+            <a:r>
+              <a:rPr lang="en-US" b="1" dirty="0"/>
+              <a:t>workflow</a:t>
+            </a:r>
+            <a:r>
+              <a:rPr lang="en-US" dirty="0" smtClean="0"/>
+              <a:t>.</a:t>
+            </a:r>
+          </a:p>
+          <a:p>
+            <a:r>
+              <a:rPr lang="en-US" dirty="0" smtClean="0"/>
+              <a:t>For example, the RNA-seq analysis has many steps with interconnected dependencies</a:t>
+            </a:r>
+          </a:p>
+          <a:p>
+            <a:pPr lvl="1"/>
+            <a:r>
+              <a:rPr lang="en-US" dirty="0" err="1" smtClean="0"/>
+              <a:t>TopHat</a:t>
+            </a:r>
+            <a:r>
+              <a:rPr lang="en-US" dirty="0" smtClean="0"/>
+              <a:t> alignment of several lanes of data needs to happens before they can all be merged into a final BAM file, and merging needs to happen before indexing of the BAM, and so on.</a:t>
+            </a:r>
+          </a:p>
+          <a:p>
+            <a:pPr lvl="1"/>
+            <a:r>
+              <a:rPr lang="en-US" dirty="0" smtClean="0"/>
+              <a:t>Some steps can happen in parallel, other in series. Workflow systems help handle these dependencies </a:t>
+            </a:r>
+            <a:endParaRPr lang="en-US" dirty="0"/>
           </a:p>
         </p:txBody>
       </p:sp>
+      <p:pic>
+        <p:nvPicPr>
+          <p:cNvPr id="4" name="Picture 3" descr="687474703a2f2f676b6e6f2e6d652f696d616765732f696e7465726e616c5f6c6f6f705f6578616d706c652e706e67.png"/>
+          <p:cNvPicPr>
+            <a:picLocks noChangeAspect="1"/>
+          </p:cNvPicPr>
+          <p:nvPr/>
+        </p:nvPicPr>
+        <p:blipFill>
+          <a:blip r:embed="rId3">
+            <a:extLst>
+              <a:ext uri="{28A0092B-C50C-407E-A947-70E740481C1C}">
+                <a14:useLocalDpi xmlns:a14="http://schemas.microsoft.com/office/drawing/2010/main" val="0"/>
+              </a:ext>
+            </a:extLst>
+          </a:blip>
+          <a:stretch>
+            <a:fillRect/>
+          </a:stretch>
+        </p:blipFill>
+        <p:spPr>
+          <a:xfrm>
+            <a:off x="1763688" y="3768181"/>
+            <a:ext cx="5040560" cy="2502899"/>
+          </a:xfrm>
+          <a:prstGeom prst="rect">
+            <a:avLst/>
+          </a:prstGeom>
+        </p:spPr>
+      </p:pic>
     </p:spTree>
     <p:extLst>
       <p:ext uri="{BB962C8B-B14F-4D97-AF65-F5344CB8AC3E}">
@@ -6500,8 +7751,55 @@
           <a:lstStyle/>
           <a:p>
             <a:r>
-              <a:rPr lang="en-US" dirty="0" smtClean="0"/>
-              <a:t>E.g. DNA Nexus Platforms provides software development kit with support for several programming languages.</a:t>
+              <a:rPr lang="en-US" dirty="0"/>
+              <a:t>A software development kit (</a:t>
+            </a:r>
+            <a:r>
+              <a:rPr lang="en-US" dirty="0" smtClean="0"/>
+              <a:t>SDK) </a:t>
+            </a:r>
+            <a:r>
+              <a:rPr lang="en-US" dirty="0"/>
+              <a:t>is </a:t>
+            </a:r>
+            <a:r>
+              <a:rPr lang="en-US" dirty="0" smtClean="0"/>
+              <a:t>a </a:t>
+            </a:r>
+            <a:r>
+              <a:rPr lang="en-US" dirty="0"/>
+              <a:t>set of software development tools that </a:t>
+            </a:r>
+            <a:r>
+              <a:rPr lang="en-US" dirty="0" smtClean="0"/>
+              <a:t>facilitates </a:t>
+            </a:r>
+            <a:r>
+              <a:rPr lang="en-US" dirty="0"/>
+              <a:t>the creation of applications for a certain </a:t>
+            </a:r>
+            <a:r>
+              <a:rPr lang="en-US" dirty="0" smtClean="0"/>
+              <a:t>software framework</a:t>
+            </a:r>
+            <a:endParaRPr lang="en-US" dirty="0"/>
+          </a:p>
+          <a:p>
+            <a:r>
+              <a:rPr lang="en-US" dirty="0" smtClean="0"/>
+              <a:t>E.g</a:t>
+            </a:r>
+            <a:r>
+              <a:rPr lang="en-US" dirty="0" smtClean="0"/>
+              <a:t>. DNA Nexus Platforms provides software development kit with support for several programming </a:t>
+            </a:r>
+            <a:r>
+              <a:rPr lang="en-US" dirty="0" smtClean="0"/>
+              <a:t>languages to help you build pipelines </a:t>
+            </a:r>
+            <a:r>
+              <a:rPr lang="en-US" dirty="0" smtClean="0"/>
+              <a:t>efficiently in their system</a:t>
             </a:r>
             <a:endParaRPr lang="en-US" dirty="0"/>
           </a:p>

--- a/LectureFiles/cshl/2014/GenomeAnalysisPlatforms.pptx
+++ b/LectureFiles/cshl/2014/GenomeAnalysisPlatforms.pptx
@@ -263,7 +263,7 @@
               <a:pPr>
                 <a:defRPr/>
               </a:pPr>
-              <a:t>11/18/14</a:t>
+              <a:t>11/19/14</a:t>
             </a:fld>
             <a:endParaRPr lang="en-US"/>
           </a:p>
@@ -470,7 +470,7 @@
               <a:pPr>
                 <a:defRPr/>
               </a:pPr>
-              <a:t>11/18/14</a:t>
+              <a:t>11/19/14</a:t>
             </a:fld>
             <a:endParaRPr lang="en-US"/>
           </a:p>
@@ -3923,7 +3923,7 @@
               <a:pPr>
                 <a:defRPr/>
               </a:pPr>
-              <a:t>11/18/14</a:t>
+              <a:t>11/19/14</a:t>
             </a:fld>
             <a:endParaRPr lang="en-US"/>
           </a:p>
@@ -4879,7 +4879,6 @@
               <a:rPr lang="en-US" dirty="0"/>
               <a:t>in contrast to conventional HPC architecture which usually relies on a parallel file system (compute and data separated, but connected with high-speed networking).</a:t>
             </a:r>
-            <a:endParaRPr lang="en-US" dirty="0"/>
           </a:p>
         </p:txBody>
       </p:sp>
@@ -4973,7 +4972,6 @@
               <a:rPr lang="en-US" dirty="0" smtClean="0"/>
               <a:t>Depends where you are on the informatics spectrum.  Do you want to:</a:t>
             </a:r>
-            <a:endParaRPr lang="en-US" dirty="0" smtClean="0"/>
           </a:p>
           <a:p>
             <a:pPr lvl="1"/>
@@ -4986,11 +4984,7 @@
             <a:pPr lvl="2"/>
             <a:r>
               <a:rPr lang="en-US" dirty="0" smtClean="0"/>
-              <a:t>Maximum </a:t>
-            </a:r>
-            <a:r>
-              <a:rPr lang="en-US" dirty="0" smtClean="0"/>
-              <a:t>flexibility. </a:t>
+              <a:t>Maximum flexibility. </a:t>
             </a:r>
             <a:r>
               <a:rPr lang="en-US" dirty="0"/>
@@ -4998,11 +4992,7 @@
             </a:r>
             <a:r>
               <a:rPr lang="en-US" dirty="0" smtClean="0"/>
-              <a:t>erformance </a:t>
-            </a:r>
-            <a:r>
-              <a:rPr lang="en-US" dirty="0" smtClean="0"/>
-              <a:t>and scalability are determined by how well you engineer it.</a:t>
+              <a:t>erformance and scalability are determined by how well you engineer it.</a:t>
             </a:r>
           </a:p>
           <a:p>
@@ -5039,7 +5029,11 @@
             </a:r>
             <a:r>
               <a:rPr lang="en-US" dirty="0" err="1" smtClean="0"/>
-              <a:t>bcbio-nextgene</a:t>
+              <a:t>bcbio-</a:t>
+            </a:r>
+            <a:r>
+              <a:rPr lang="en-US" dirty="0" err="1" smtClean="0"/>
+              <a:t>nextgen</a:t>
             </a:r>
             <a:r>
               <a:rPr lang="en-US" dirty="0" smtClean="0"/>
@@ -5051,11 +5045,7 @@
             </a:r>
             <a:r>
               <a:rPr lang="en-US" dirty="0" smtClean="0"/>
-              <a:t>, etc</a:t>
-            </a:r>
-            <a:r>
-              <a:rPr lang="en-US" dirty="0" smtClean="0"/>
-              <a:t>.</a:t>
+              <a:t>, etc.</a:t>
             </a:r>
           </a:p>
           <a:p>
@@ -6723,14 +6713,12 @@
               <a:rPr lang="en-US" dirty="0" smtClean="0"/>
               <a:t>’</a:t>
             </a:r>
-            <a:endParaRPr lang="en-US" dirty="0" smtClean="0"/>
           </a:p>
           <a:p>
             <a:r>
               <a:rPr lang="en-US" dirty="0" smtClean="0"/>
               <a:t>Pipelines</a:t>
             </a:r>
-            <a:endParaRPr lang="en-US" dirty="0" smtClean="0"/>
           </a:p>
           <a:p>
             <a:r>
@@ -6755,11 +6743,7 @@
           <a:p>
             <a:r>
               <a:rPr lang="en-US" dirty="0" smtClean="0"/>
-              <a:t>Virtualization </a:t>
-            </a:r>
-            <a:r>
-              <a:rPr lang="en-US" dirty="0" smtClean="0"/>
-              <a:t>and virtual machines</a:t>
+              <a:t>Virtualization and virtual machines</a:t>
             </a:r>
           </a:p>
           <a:p>
@@ -6821,11 +6805,7 @@
           <a:p>
             <a:r>
               <a:rPr lang="en-US" dirty="0" smtClean="0"/>
-              <a:t>Job </a:t>
-            </a:r>
-            <a:r>
-              <a:rPr lang="en-US" dirty="0" smtClean="0"/>
-              <a:t>schedulers.  </a:t>
+              <a:t>Job schedulers.  </a:t>
             </a:r>
             <a:r>
               <a:rPr lang="en-US" dirty="0"/>
@@ -7313,11 +7293,7 @@
           <a:p>
             <a:r>
               <a:rPr lang="en-US" dirty="0" smtClean="0"/>
-              <a:t>For example, instead of using a local server or buying 25 computers with 8 CPU’s each, 70Gg of RAM, etc. for the RNA-seq course we rented these computers on the Amazon ‘Cloud’.  </a:t>
-            </a:r>
-            <a:r>
-              <a:rPr lang="en-US" dirty="0" smtClean="0"/>
-              <a:t>All analysis for the course actually happened at a massive data center in Northern Virginia</a:t>
+              <a:t>For example, instead of using a local server or buying 25 computers with 8 CPU’s each, 70Gg of RAM, etc. for the RNA-seq course we rented these computers on the Amazon ‘Cloud’.  All analysis for the course actually happened at a massive data center in Northern Virginia</a:t>
             </a:r>
             <a:endParaRPr lang="en-US" dirty="0"/>
           </a:p>
@@ -7787,19 +7763,7 @@
           <a:p>
             <a:r>
               <a:rPr lang="en-US" dirty="0" smtClean="0"/>
-              <a:t>E.g</a:t>
-            </a:r>
-            <a:r>
-              <a:rPr lang="en-US" dirty="0" smtClean="0"/>
-              <a:t>. DNA Nexus Platforms provides software development kit with support for several programming </a:t>
-            </a:r>
-            <a:r>
-              <a:rPr lang="en-US" dirty="0" smtClean="0"/>
-              <a:t>languages to help you build pipelines </a:t>
-            </a:r>
-            <a:r>
-              <a:rPr lang="en-US" dirty="0" smtClean="0"/>
-              <a:t>efficiently in their system</a:t>
+              <a:t>E.g. DNA Nexus Platforms provides software development kit with support for several programming languages to help you build pipelines efficiently in their system</a:t>
             </a:r>
             <a:endParaRPr lang="en-US" dirty="0"/>
           </a:p>

--- a/LectureFiles/cshl/2014/GenomeAnalysisPlatforms.pptx
+++ b/LectureFiles/cshl/2014/GenomeAnalysisPlatforms.pptx
@@ -5029,11 +5029,7 @@
             </a:r>
             <a:r>
               <a:rPr lang="en-US" dirty="0" err="1" smtClean="0"/>
-              <a:t>bcbio-</a:t>
-            </a:r>
-            <a:r>
-              <a:rPr lang="en-US" dirty="0" err="1" smtClean="0"/>
-              <a:t>nextgen</a:t>
+              <a:t>bcbio-nextgen</a:t>
             </a:r>
             <a:r>
               <a:rPr lang="en-US" dirty="0" smtClean="0"/>
@@ -6532,21 +6528,16 @@
                 <a:ea typeface="+mj-ea"/>
                 <a:cs typeface="Calibri"/>
               </a:rPr>
-              <a:t>Malachi Griffith, Obi Griffith, Jason Walker, Ben </a:t>
-            </a:r>
-            <a:r>
-              <a:rPr lang="en-US" sz="1600" dirty="0" err="1" smtClean="0">
+              <a:t>Malachi Griffith, Obi </a:t>
+            </a:r>
+            <a:r>
+              <a:rPr lang="en-US" sz="1600" dirty="0" smtClean="0">
                 <a:latin typeface="Calibri"/>
                 <a:ea typeface="+mj-ea"/>
                 <a:cs typeface="Calibri"/>
               </a:rPr>
-              <a:t>Ainscough</a:t>
-            </a:r>
-            <a:endParaRPr lang="en-US" sz="1600" dirty="0" smtClean="0">
-              <a:latin typeface="Calibri"/>
-              <a:ea typeface="+mj-ea"/>
-              <a:cs typeface="Calibri"/>
-            </a:endParaRPr>
+              <a:t>Griffith</a:t>
+            </a:r>
           </a:p>
           <a:p>
             <a:pPr fontAlgn="auto">
@@ -6558,7 +6549,7 @@
               <a:defRPr/>
             </a:pPr>
             <a:r>
-              <a:rPr lang="en-US" sz="1600" dirty="0">
+              <a:rPr lang="en-US" sz="1600" dirty="0" smtClean="0">
                 <a:ln w="1270">
                   <a:solidFill>
                     <a:schemeClr val="tx1">
@@ -6592,7 +6583,22 @@
                 <a:ea typeface="+mn-ea"/>
                 <a:cs typeface="Calibri"/>
               </a:rPr>
-              <a:t>November 11-23, 2014</a:t>
+              <a:t>November </a:t>
+            </a:r>
+            <a:r>
+              <a:rPr lang="en-US" sz="1400" dirty="0" smtClean="0">
+                <a:ln w="1270">
+                  <a:solidFill>
+                    <a:schemeClr val="tx1">
+                      <a:alpha val="38000"/>
+                    </a:schemeClr>
+                  </a:solidFill>
+                </a:ln>
+                <a:latin typeface="Calibri"/>
+                <a:ea typeface="+mn-ea"/>
+                <a:cs typeface="Calibri"/>
+              </a:rPr>
+              <a:t>11-23, 2014</a:t>
             </a:r>
           </a:p>
         </p:txBody>
